--- a/sotsuron/発表スライド.pptx
+++ b/sotsuron/発表スライド.pptx
@@ -221,7 +221,7 @@
           <a:p>
             <a:fld id="{8393AFC2-C2D3-F84A-9E27-287F7E69F533}" type="datetimeFigureOut">
               <a:rPr kumimoji="1" lang="ja-JP" altLang="en-US" smtClean="0"/>
-              <a:t>2021/10/4</a:t>
+              <a:t>2022/1/27</a:t>
             </a:fld>
             <a:endParaRPr kumimoji="1" lang="ja-JP" altLang="en-US"/>
           </a:p>
@@ -5297,7 +5297,7 @@
           <a:p>
             <a:fld id="{F43F99A3-021A-7D46-87E1-B3690043F7F3}" type="datetimeFigureOut">
               <a:rPr kumimoji="1" lang="ja-JP" altLang="en-US" smtClean="0"/>
-              <a:t>2021/10/4</a:t>
+              <a:t>2022/1/27</a:t>
             </a:fld>
             <a:endParaRPr kumimoji="1" lang="ja-JP" altLang="en-US"/>
           </a:p>
@@ -5499,7 +5499,7 @@
           <a:p>
             <a:fld id="{F43F99A3-021A-7D46-87E1-B3690043F7F3}" type="datetimeFigureOut">
               <a:rPr kumimoji="1" lang="ja-JP" altLang="en-US" smtClean="0"/>
-              <a:t>2021/10/4</a:t>
+              <a:t>2022/1/27</a:t>
             </a:fld>
             <a:endParaRPr kumimoji="1" lang="ja-JP" altLang="en-US"/>
           </a:p>
@@ -5711,7 +5711,7 @@
           <a:p>
             <a:fld id="{F43F99A3-021A-7D46-87E1-B3690043F7F3}" type="datetimeFigureOut">
               <a:rPr kumimoji="1" lang="ja-JP" altLang="en-US" smtClean="0"/>
-              <a:t>2021/10/4</a:t>
+              <a:t>2022/1/27</a:t>
             </a:fld>
             <a:endParaRPr kumimoji="1" lang="ja-JP" altLang="en-US"/>
           </a:p>
@@ -5913,7 +5913,7 @@
           <a:p>
             <a:fld id="{F43F99A3-021A-7D46-87E1-B3690043F7F3}" type="datetimeFigureOut">
               <a:rPr kumimoji="1" lang="ja-JP" altLang="en-US" smtClean="0"/>
-              <a:t>2021/10/4</a:t>
+              <a:t>2022/1/27</a:t>
             </a:fld>
             <a:endParaRPr kumimoji="1" lang="ja-JP" altLang="en-US"/>
           </a:p>
@@ -6159,7 +6159,7 @@
           <a:p>
             <a:fld id="{F43F99A3-021A-7D46-87E1-B3690043F7F3}" type="datetimeFigureOut">
               <a:rPr kumimoji="1" lang="ja-JP" altLang="en-US" smtClean="0"/>
-              <a:t>2021/10/4</a:t>
+              <a:t>2022/1/27</a:t>
             </a:fld>
             <a:endParaRPr kumimoji="1" lang="ja-JP" altLang="en-US"/>
           </a:p>
@@ -6455,7 +6455,7 @@
           <a:p>
             <a:fld id="{F43F99A3-021A-7D46-87E1-B3690043F7F3}" type="datetimeFigureOut">
               <a:rPr kumimoji="1" lang="ja-JP" altLang="en-US" smtClean="0"/>
-              <a:t>2021/10/4</a:t>
+              <a:t>2022/1/27</a:t>
             </a:fld>
             <a:endParaRPr kumimoji="1" lang="ja-JP" altLang="en-US"/>
           </a:p>
@@ -6886,7 +6886,7 @@
           <a:p>
             <a:fld id="{F43F99A3-021A-7D46-87E1-B3690043F7F3}" type="datetimeFigureOut">
               <a:rPr kumimoji="1" lang="ja-JP" altLang="en-US" smtClean="0"/>
-              <a:t>2021/10/4</a:t>
+              <a:t>2022/1/27</a:t>
             </a:fld>
             <a:endParaRPr kumimoji="1" lang="ja-JP" altLang="en-US"/>
           </a:p>
@@ -7004,7 +7004,7 @@
           <a:p>
             <a:fld id="{F43F99A3-021A-7D46-87E1-B3690043F7F3}" type="datetimeFigureOut">
               <a:rPr kumimoji="1" lang="ja-JP" altLang="en-US" smtClean="0"/>
-              <a:t>2021/10/4</a:t>
+              <a:t>2022/1/27</a:t>
             </a:fld>
             <a:endParaRPr kumimoji="1" lang="ja-JP" altLang="en-US"/>
           </a:p>
@@ -7099,7 +7099,7 @@
           <a:p>
             <a:fld id="{F43F99A3-021A-7D46-87E1-B3690043F7F3}" type="datetimeFigureOut">
               <a:rPr kumimoji="1" lang="ja-JP" altLang="en-US" smtClean="0"/>
-              <a:t>2021/10/4</a:t>
+              <a:t>2022/1/27</a:t>
             </a:fld>
             <a:endParaRPr kumimoji="1" lang="ja-JP" altLang="en-US"/>
           </a:p>
@@ -7408,7 +7408,7 @@
           <a:p>
             <a:fld id="{F43F99A3-021A-7D46-87E1-B3690043F7F3}" type="datetimeFigureOut">
               <a:rPr kumimoji="1" lang="ja-JP" altLang="en-US" smtClean="0"/>
-              <a:t>2021/10/4</a:t>
+              <a:t>2022/1/27</a:t>
             </a:fld>
             <a:endParaRPr kumimoji="1" lang="ja-JP" altLang="en-US"/>
           </a:p>
@@ -7665,7 +7665,7 @@
           <a:p>
             <a:fld id="{F43F99A3-021A-7D46-87E1-B3690043F7F3}" type="datetimeFigureOut">
               <a:rPr kumimoji="1" lang="ja-JP" altLang="en-US" smtClean="0"/>
-              <a:t>2021/10/4</a:t>
+              <a:t>2022/1/27</a:t>
             </a:fld>
             <a:endParaRPr kumimoji="1" lang="ja-JP" altLang="en-US"/>
           </a:p>
@@ -7910,7 +7910,7 @@
           <a:p>
             <a:fld id="{F43F99A3-021A-7D46-87E1-B3690043F7F3}" type="datetimeFigureOut">
               <a:rPr kumimoji="1" lang="ja-JP" altLang="en-US" smtClean="0"/>
-              <a:t>2021/10/4</a:t>
+              <a:t>2022/1/27</a:t>
             </a:fld>
             <a:endParaRPr kumimoji="1" lang="ja-JP" altLang="en-US"/>
           </a:p>
@@ -16469,8 +16469,8 @@
           <a:chExt cx="0" cy="0"/>
         </a:xfrm>
       </p:grpSpPr>
-      <mc:AlternateContent xmlns:mc="http://schemas.openxmlformats.org/markup-compatibility/2006">
-        <mc:Choice xmlns:a14="http://schemas.microsoft.com/office/drawing/2010/main" Requires="a14">
+      <mc:AlternateContent xmlns:mc="http://schemas.openxmlformats.org/markup-compatibility/2006" xmlns:a14="http://schemas.microsoft.com/office/drawing/2010/main">
+        <mc:Choice Requires="a14">
           <p:sp>
             <p:nvSpPr>
               <p:cNvPr id="2" name="タイトル 1">
@@ -16530,7 +16530,7 @@
             </p:txBody>
           </p:sp>
         </mc:Choice>
-        <mc:Fallback>
+        <mc:Fallback xmlns="">
           <p:sp>
             <p:nvSpPr>
               <p:cNvPr id="2" name="タイトル 1">
@@ -16741,216 +16741,6 @@
           </p:sp>
         </mc:Fallback>
       </mc:AlternateContent>
-      <p:grpSp>
-        <p:nvGrpSpPr>
-          <p:cNvPr id="15" name="グループ化 14">
-            <a:extLst>
-              <a:ext uri="{FF2B5EF4-FFF2-40B4-BE49-F238E27FC236}">
-                <a16:creationId xmlns:a16="http://schemas.microsoft.com/office/drawing/2014/main" id="{4D448C84-4509-4948-ADF4-654B60220E30}"/>
-              </a:ext>
-            </a:extLst>
-          </p:cNvPr>
-          <p:cNvGrpSpPr/>
-          <p:nvPr/>
-        </p:nvGrpSpPr>
-        <p:grpSpPr>
-          <a:xfrm>
-            <a:off x="5752407" y="1446414"/>
-            <a:ext cx="4497186" cy="3699163"/>
-            <a:chOff x="6283716" y="1825625"/>
-            <a:chExt cx="3577205" cy="3440700"/>
-          </a:xfrm>
-        </p:grpSpPr>
-        <p:pic>
-          <p:nvPicPr>
-            <p:cNvPr id="5" name="図 4">
-              <a:extLst>
-                <a:ext uri="{FF2B5EF4-FFF2-40B4-BE49-F238E27FC236}">
-                  <a16:creationId xmlns:a16="http://schemas.microsoft.com/office/drawing/2014/main" id="{BCBCC297-1971-794A-BCC3-E27633BF68B7}"/>
-                </a:ext>
-              </a:extLst>
-            </p:cNvPr>
-            <p:cNvPicPr>
-              <a:picLocks noChangeAspect="1"/>
-            </p:cNvPicPr>
-            <p:nvPr/>
-          </p:nvPicPr>
-          <p:blipFill>
-            <a:blip r:embed="rId5"/>
-            <a:stretch>
-              <a:fillRect/>
-            </a:stretch>
-          </p:blipFill>
-          <p:spPr>
-            <a:xfrm>
-              <a:off x="6283716" y="1825625"/>
-              <a:ext cx="3577205" cy="3440700"/>
-            </a:xfrm>
-            <a:prstGeom prst="rect">
-              <a:avLst/>
-            </a:prstGeom>
-          </p:spPr>
-        </p:pic>
-        <p:grpSp>
-          <p:nvGrpSpPr>
-            <p:cNvPr id="14" name="グループ化 13">
-              <a:extLst>
-                <a:ext uri="{FF2B5EF4-FFF2-40B4-BE49-F238E27FC236}">
-                  <a16:creationId xmlns:a16="http://schemas.microsoft.com/office/drawing/2014/main" id="{0F9A57B1-C202-7C4F-8F9A-E0B6B11773AB}"/>
-                </a:ext>
-              </a:extLst>
-            </p:cNvPr>
-            <p:cNvGrpSpPr/>
-            <p:nvPr/>
-          </p:nvGrpSpPr>
-          <p:grpSpPr>
-            <a:xfrm>
-              <a:off x="8445731" y="2385753"/>
-              <a:ext cx="1113906" cy="980902"/>
-              <a:chOff x="9991898" y="2402378"/>
-              <a:chExt cx="1361902" cy="955964"/>
-            </a:xfrm>
-          </p:grpSpPr>
-          <p:sp>
-            <p:nvSpPr>
-              <p:cNvPr id="10" name="正方形/長方形 9">
-                <a:extLst>
-                  <a:ext uri="{FF2B5EF4-FFF2-40B4-BE49-F238E27FC236}">
-                    <a16:creationId xmlns:a16="http://schemas.microsoft.com/office/drawing/2014/main" id="{1FFDD8FA-B0AD-994B-B5AC-833D8A19B9B3}"/>
-                  </a:ext>
-                </a:extLst>
-              </p:cNvPr>
-              <p:cNvSpPr/>
-              <p:nvPr/>
-            </p:nvSpPr>
-            <p:spPr>
-              <a:xfrm>
-                <a:off x="9991898" y="2402378"/>
-                <a:ext cx="1361902" cy="955964"/>
-              </a:xfrm>
-              <a:prstGeom prst="rect">
-                <a:avLst/>
-              </a:prstGeom>
-            </p:spPr>
-            <p:style>
-              <a:lnRef idx="2">
-                <a:schemeClr val="dk1"/>
-              </a:lnRef>
-              <a:fillRef idx="1">
-                <a:schemeClr val="lt1"/>
-              </a:fillRef>
-              <a:effectRef idx="0">
-                <a:schemeClr val="dk1"/>
-              </a:effectRef>
-              <a:fontRef idx="minor">
-                <a:schemeClr val="dk1"/>
-              </a:fontRef>
-            </p:style>
-            <p:txBody>
-              <a:bodyPr rtlCol="0" anchor="ctr"/>
-              <a:lstStyle/>
-              <a:p>
-                <a:pPr algn="r"/>
-                <a:r>
-                  <a:rPr kumimoji="1" lang="ja-JP" altLang="en-US" sz="1400"/>
-                  <a:t>真値　</a:t>
-                </a:r>
-                <a:endParaRPr kumimoji="1" lang="en-US" altLang="ja-JP" sz="1400" dirty="0"/>
-              </a:p>
-              <a:p>
-                <a:pPr algn="r"/>
-                <a:r>
-                  <a:rPr kumimoji="1" lang="ja-JP" altLang="en-US" sz="1400"/>
-                  <a:t>推定値</a:t>
-                </a:r>
-              </a:p>
-            </p:txBody>
-          </p:sp>
-          <p:cxnSp>
-            <p:nvCxnSpPr>
-              <p:cNvPr id="12" name="直線コネクタ 11">
-                <a:extLst>
-                  <a:ext uri="{FF2B5EF4-FFF2-40B4-BE49-F238E27FC236}">
-                    <a16:creationId xmlns:a16="http://schemas.microsoft.com/office/drawing/2014/main" id="{B6D5A4E0-9A8B-EA46-88E5-8E706C91E872}"/>
-                  </a:ext>
-                </a:extLst>
-              </p:cNvPr>
-              <p:cNvCxnSpPr/>
-              <p:nvPr/>
-            </p:nvCxnSpPr>
-            <p:spPr>
-              <a:xfrm>
-                <a:off x="10083338" y="2734887"/>
-                <a:ext cx="448887" cy="0"/>
-              </a:xfrm>
-              <a:prstGeom prst="line">
-                <a:avLst/>
-              </a:prstGeom>
-              <a:ln w="12700">
-                <a:solidFill>
-                  <a:schemeClr val="tx1"/>
-                </a:solidFill>
-              </a:ln>
-            </p:spPr>
-            <p:style>
-              <a:lnRef idx="1">
-                <a:schemeClr val="accent1"/>
-              </a:lnRef>
-              <a:fillRef idx="0">
-                <a:schemeClr val="accent1"/>
-              </a:fillRef>
-              <a:effectRef idx="0">
-                <a:schemeClr val="accent1"/>
-              </a:effectRef>
-              <a:fontRef idx="minor">
-                <a:schemeClr val="tx1"/>
-              </a:fontRef>
-            </p:style>
-          </p:cxnSp>
-          <p:cxnSp>
-            <p:nvCxnSpPr>
-              <p:cNvPr id="13" name="直線コネクタ 12">
-                <a:extLst>
-                  <a:ext uri="{FF2B5EF4-FFF2-40B4-BE49-F238E27FC236}">
-                    <a16:creationId xmlns:a16="http://schemas.microsoft.com/office/drawing/2014/main" id="{D52935EA-290C-714C-803D-D08BE8A83BA5}"/>
-                  </a:ext>
-                </a:extLst>
-              </p:cNvPr>
-              <p:cNvCxnSpPr/>
-              <p:nvPr/>
-            </p:nvCxnSpPr>
-            <p:spPr>
-              <a:xfrm>
-                <a:off x="10083338" y="2995353"/>
-                <a:ext cx="448887" cy="0"/>
-              </a:xfrm>
-              <a:prstGeom prst="line">
-                <a:avLst/>
-              </a:prstGeom>
-              <a:ln w="12700">
-                <a:solidFill>
-                  <a:schemeClr val="tx1"/>
-                </a:solidFill>
-                <a:prstDash val="sysDash"/>
-              </a:ln>
-            </p:spPr>
-            <p:style>
-              <a:lnRef idx="1">
-                <a:schemeClr val="accent1"/>
-              </a:lnRef>
-              <a:fillRef idx="0">
-                <a:schemeClr val="accent1"/>
-              </a:fillRef>
-              <a:effectRef idx="0">
-                <a:schemeClr val="accent1"/>
-              </a:effectRef>
-              <a:fontRef idx="minor">
-                <a:schemeClr val="tx1"/>
-              </a:fontRef>
-            </p:style>
-          </p:cxnSp>
-        </p:grpSp>
-      </p:grpSp>
       <p:sp>
         <p:nvSpPr>
           <p:cNvPr id="16" name="正方形/長方形 15">
@@ -17010,6 +16800,36 @@
           </a:p>
         </p:txBody>
       </p:sp>
+      <p:pic>
+        <p:nvPicPr>
+          <p:cNvPr id="11" name="図 10">
+            <a:extLst>
+              <a:ext uri="{FF2B5EF4-FFF2-40B4-BE49-F238E27FC236}">
+                <a16:creationId xmlns:a16="http://schemas.microsoft.com/office/drawing/2014/main" id="{4E5520C5-A6DE-B94D-B920-E37EA874783C}"/>
+              </a:ext>
+            </a:extLst>
+          </p:cNvPr>
+          <p:cNvPicPr>
+            <a:picLocks noChangeAspect="1"/>
+          </p:cNvPicPr>
+          <p:nvPr/>
+        </p:nvPicPr>
+        <p:blipFill>
+          <a:blip r:embed="rId5"/>
+          <a:stretch>
+            <a:fillRect/>
+          </a:stretch>
+        </p:blipFill>
+        <p:spPr>
+          <a:xfrm>
+            <a:off x="5717633" y="681037"/>
+            <a:ext cx="5177109" cy="4495152"/>
+          </a:xfrm>
+          <a:prstGeom prst="rect">
+            <a:avLst/>
+          </a:prstGeom>
+        </p:spPr>
+      </p:pic>
     </p:spTree>
     <p:extLst>
       <p:ext uri="{BB962C8B-B14F-4D97-AF65-F5344CB8AC3E}">
@@ -17091,29 +16911,15 @@
           <a:p>
             <a:r>
               <a:rPr lang="en-US" altLang="ja-JP" dirty="0"/>
-              <a:t>34</a:t>
+              <a:t>134</a:t>
             </a:r>
             <a:r>
               <a:rPr lang="ja-JP" altLang="en-US"/>
-              <a:t>名の被験者にエッセイ課題を与え，</a:t>
-            </a:r>
-            <a:endParaRPr lang="en-US" altLang="ja-JP" dirty="0"/>
-          </a:p>
-          <a:p>
-            <a:pPr marL="0" indent="0">
-              <a:buNone/>
-            </a:pPr>
+              <a:t>名分のエッセイ課題を，</a:t>
+            </a:r>
             <a:r>
               <a:rPr lang="en-US" altLang="ja-JP" dirty="0"/>
-              <a:t>  </a:t>
-            </a:r>
-            <a:r>
-              <a:rPr lang="ja-JP" altLang="en-US"/>
-              <a:t>そのエッセイを</a:t>
-            </a:r>
-            <a:r>
-              <a:rPr lang="en-US" altLang="ja-JP" dirty="0"/>
-              <a:t>34</a:t>
+              <a:t>16</a:t>
             </a:r>
             <a:r>
               <a:rPr lang="ja-JP" altLang="en-US"/>
@@ -17127,1673 +16933,38 @@
               <a:rPr lang="ja-JP" altLang="en-US"/>
               <a:t>段階得点で</a:t>
             </a:r>
-            <a:endParaRPr lang="en-US" altLang="ja-JP" dirty="0"/>
-          </a:p>
-          <a:p>
-            <a:pPr marL="0" indent="0">
-              <a:buNone/>
-            </a:pPr>
-            <a:r>
+            <a:br>
               <a:rPr lang="en-US" altLang="ja-JP" dirty="0"/>
-              <a:t>  </a:t>
-            </a:r>
+            </a:br>
             <a:r>
               <a:rPr lang="ja-JP" altLang="en-US"/>
               <a:t>採点したデータを使用する．</a:t>
             </a:r>
+          </a:p>
+          <a:p>
             <a:endParaRPr lang="en-US" altLang="ja-JP" dirty="0"/>
           </a:p>
           <a:p>
-            <a:endParaRPr lang="en-US" altLang="ja-JP" dirty="0"/>
-          </a:p>
-          <a:p>
             <a:r>
               <a:rPr lang="ja-JP" altLang="en-US"/>
-              <a:t>パラメータの推定</a:t>
-            </a:r>
-            <a:endParaRPr lang="en-US" altLang="ja-JP" dirty="0"/>
-          </a:p>
-          <a:p>
+              <a:t>そのうち</a:t>
+            </a:r>
+            <a:r>
+              <a:rPr lang="en-US" altLang="ja-JP" dirty="0"/>
+              <a:t>6</a:t>
+            </a:r>
             <a:r>
               <a:rPr lang="ja-JP" altLang="en-US"/>
-              <a:t>情報量規準によるモデル性能の比較</a:t>
-            </a:r>
-            <a:endParaRPr lang="en-US" altLang="ja-JP" dirty="0"/>
-          </a:p>
-          <a:p>
-            <a:pPr marL="457200" lvl="1" indent="0">
-              <a:buNone/>
-            </a:pPr>
-            <a:endParaRPr lang="en-US" altLang="ja-JP" dirty="0"/>
-          </a:p>
-          <a:p>
-            <a:pPr marL="457200" lvl="1" indent="0">
-              <a:buNone/>
-            </a:pPr>
+              <a:t>人の評価者には個別に指示を与え，</a:t>
+            </a:r>
+            <a:br>
+              <a:rPr lang="en-US" altLang="ja-JP" dirty="0"/>
+            </a:br>
             <a:r>
               <a:rPr lang="ja-JP" altLang="en-US"/>
-              <a:t>を行う</a:t>
-            </a:r>
-            <a:endParaRPr lang="en-US" altLang="ja-JP" dirty="0"/>
-          </a:p>
-          <a:p>
-            <a:endParaRPr lang="ja-JP" altLang="en-US"/>
-          </a:p>
-          <a:p>
+              <a:t>人為的に評価者バイアスのあるデータを作成した</a:t>
+            </a:r>
             <a:endParaRPr kumimoji="1" lang="ja-JP" altLang="en-US"/>
-          </a:p>
-        </p:txBody>
-      </p:sp>
-      <p:graphicFrame>
-        <p:nvGraphicFramePr>
-          <p:cNvPr id="4" name="表 3">
-            <a:extLst>
-              <a:ext uri="{FF2B5EF4-FFF2-40B4-BE49-F238E27FC236}">
-                <a16:creationId xmlns:a16="http://schemas.microsoft.com/office/drawing/2014/main" id="{FA8F6E2D-89F4-A44D-8CEF-69A0F090FAA2}"/>
-              </a:ext>
-            </a:extLst>
-          </p:cNvPr>
-          <p:cNvGraphicFramePr>
-            <a:graphicFrameLocks noGrp="1"/>
-          </p:cNvGraphicFramePr>
-          <p:nvPr>
-            <p:extLst>
-              <p:ext uri="{D42A27DB-BD31-4B8C-83A1-F6EECF244321}">
-                <p14:modId xmlns:p14="http://schemas.microsoft.com/office/powerpoint/2010/main" val="606812209"/>
-              </p:ext>
-            </p:extLst>
-          </p:nvPr>
-        </p:nvGraphicFramePr>
-        <p:xfrm>
-          <a:off x="8398978" y="1690688"/>
-          <a:ext cx="2788568" cy="3902512"/>
-        </p:xfrm>
-        <a:graphic>
-          <a:graphicData uri="http://schemas.openxmlformats.org/drawingml/2006/table">
-            <a:tbl>
-              <a:tblPr firstRow="1" bandRow="1">
-                <a:tableStyleId>{5C22544A-7EE6-4342-B048-85BDC9FD1C3A}</a:tableStyleId>
-              </a:tblPr>
-              <a:tblGrid>
-                <a:gridCol w="718699">
-                  <a:extLst>
-                    <a:ext uri="{9D8B030D-6E8A-4147-A177-3AD203B41FA5}">
-                      <a16:colId xmlns:a16="http://schemas.microsoft.com/office/drawing/2014/main" val="1349271612"/>
-                    </a:ext>
-                  </a:extLst>
-                </a:gridCol>
-                <a:gridCol w="723207">
-                  <a:extLst>
-                    <a:ext uri="{9D8B030D-6E8A-4147-A177-3AD203B41FA5}">
-                      <a16:colId xmlns:a16="http://schemas.microsoft.com/office/drawing/2014/main" val="2462453400"/>
-                    </a:ext>
-                  </a:extLst>
-                </a:gridCol>
-                <a:gridCol w="482138">
-                  <a:extLst>
-                    <a:ext uri="{9D8B030D-6E8A-4147-A177-3AD203B41FA5}">
-                      <a16:colId xmlns:a16="http://schemas.microsoft.com/office/drawing/2014/main" val="2717142376"/>
-                    </a:ext>
-                  </a:extLst>
-                </a:gridCol>
-                <a:gridCol w="864524">
-                  <a:extLst>
-                    <a:ext uri="{9D8B030D-6E8A-4147-A177-3AD203B41FA5}">
-                      <a16:colId xmlns:a16="http://schemas.microsoft.com/office/drawing/2014/main" val="690473303"/>
-                    </a:ext>
-                  </a:extLst>
-                </a:gridCol>
-              </a:tblGrid>
-              <a:tr h="237510">
-                <a:tc>
-                  <a:txBody>
-                    <a:bodyPr/>
-                    <a:lstStyle/>
-                    <a:p>
-                      <a:pPr algn="ctr"/>
-                      <a:r>
-                        <a:rPr lang="ja-JP" altLang="en-US" sz="1400" b="1">
-                          <a:solidFill>
-                            <a:schemeClr val="bg1"/>
-                          </a:solidFill>
-                          <a:effectLst/>
-                        </a:rPr>
-                        <a:t>受検者</a:t>
-                      </a:r>
-                      <a:endParaRPr lang="ja-JP" altLang="en-US" sz="1400">
-                        <a:solidFill>
-                          <a:schemeClr val="bg1"/>
-                        </a:solidFill>
-                        <a:effectLst/>
-                      </a:endParaRPr>
-                    </a:p>
-                  </a:txBody>
-                  <a:tcPr marL="29561" marR="29561" marT="29561" marB="29561"/>
-                </a:tc>
-                <a:tc>
-                  <a:txBody>
-                    <a:bodyPr/>
-                    <a:lstStyle/>
-                    <a:p>
-                      <a:pPr algn="ctr"/>
-                      <a:r>
-                        <a:rPr lang="ja-JP" altLang="en-US" sz="1400">
-                          <a:solidFill>
-                            <a:schemeClr val="bg1"/>
-                          </a:solidFill>
-                          <a:effectLst/>
-                        </a:rPr>
-                        <a:t>評価者</a:t>
-                      </a:r>
-                    </a:p>
-                  </a:txBody>
-                  <a:tcPr marL="29561" marR="29561" marT="29561" marB="29561"/>
-                </a:tc>
-                <a:tc>
-                  <a:txBody>
-                    <a:bodyPr/>
-                    <a:lstStyle/>
-                    <a:p>
-                      <a:pPr algn="ctr"/>
-                      <a:r>
-                        <a:rPr lang="ja-JP" altLang="en-US" sz="1400">
-                          <a:solidFill>
-                            <a:schemeClr val="bg1"/>
-                          </a:solidFill>
-                          <a:effectLst/>
-                        </a:rPr>
-                        <a:t>得点</a:t>
-                      </a:r>
-                    </a:p>
-                  </a:txBody>
-                  <a:tcPr marL="29561" marR="29561" marT="29561" marB="29561"/>
-                </a:tc>
-                <a:tc>
-                  <a:txBody>
-                    <a:bodyPr/>
-                    <a:lstStyle/>
-                    <a:p>
-                      <a:pPr algn="ctr"/>
-                      <a:r>
-                        <a:rPr lang="ja-JP" altLang="en-US" sz="1400">
-                          <a:solidFill>
-                            <a:schemeClr val="bg1"/>
-                          </a:solidFill>
-                          <a:effectLst/>
-                        </a:rPr>
-                        <a:t>時間区分</a:t>
-                      </a:r>
-                    </a:p>
-                  </a:txBody>
-                  <a:tcPr marL="29561" marR="29561" marT="29561" marB="29561"/>
-                </a:tc>
-                <a:extLst>
-                  <a:ext uri="{0D108BD9-81ED-4DB2-BD59-A6C34878D82A}">
-                    <a16:rowId xmlns:a16="http://schemas.microsoft.com/office/drawing/2014/main" val="732582996"/>
-                  </a:ext>
-                </a:extLst>
-              </a:tr>
-              <a:tr h="237510">
-                <a:tc>
-                  <a:txBody>
-                    <a:bodyPr/>
-                    <a:lstStyle/>
-                    <a:p>
-                      <a:pPr algn="ctr"/>
-                      <a:r>
-                        <a:rPr lang="en-US" altLang="ja-JP" sz="1200" b="0" dirty="0">
-                          <a:solidFill>
-                            <a:srgbClr val="000000"/>
-                          </a:solidFill>
-                          <a:effectLst/>
-                        </a:rPr>
-                        <a:t>2</a:t>
-                      </a:r>
-                      <a:endParaRPr lang="ja-JP" altLang="en-US" sz="1200" b="0">
-                        <a:effectLst/>
-                      </a:endParaRPr>
-                    </a:p>
-                  </a:txBody>
-                  <a:tcPr marL="29561" marR="29561" marT="29561" marB="29561"/>
-                </a:tc>
-                <a:tc>
-                  <a:txBody>
-                    <a:bodyPr/>
-                    <a:lstStyle/>
-                    <a:p>
-                      <a:pPr algn="ctr"/>
-                      <a:r>
-                        <a:rPr lang="en-US" altLang="ja-JP" sz="1200">
-                          <a:solidFill>
-                            <a:srgbClr val="000000"/>
-                          </a:solidFill>
-                          <a:effectLst/>
-                        </a:rPr>
-                        <a:t>1</a:t>
-                      </a:r>
-                      <a:endParaRPr lang="ja-JP" altLang="en-US" sz="1200">
-                        <a:effectLst/>
-                      </a:endParaRPr>
-                    </a:p>
-                  </a:txBody>
-                  <a:tcPr marL="29561" marR="29561" marT="29561" marB="29561"/>
-                </a:tc>
-                <a:tc>
-                  <a:txBody>
-                    <a:bodyPr/>
-                    <a:lstStyle/>
-                    <a:p>
-                      <a:pPr algn="ctr"/>
-                      <a:r>
-                        <a:rPr lang="en-US" altLang="ja-JP" sz="1200">
-                          <a:solidFill>
-                            <a:srgbClr val="000000"/>
-                          </a:solidFill>
-                          <a:effectLst/>
-                        </a:rPr>
-                        <a:t>4</a:t>
-                      </a:r>
-                      <a:endParaRPr lang="ja-JP" altLang="en-US" sz="1200">
-                        <a:effectLst/>
-                      </a:endParaRPr>
-                    </a:p>
-                  </a:txBody>
-                  <a:tcPr marL="29561" marR="29561" marT="29561" marB="29561"/>
-                </a:tc>
-                <a:tc>
-                  <a:txBody>
-                    <a:bodyPr/>
-                    <a:lstStyle/>
-                    <a:p>
-                      <a:pPr algn="ctr"/>
-                      <a:r>
-                        <a:rPr lang="en-US" altLang="ja-JP" sz="1200" dirty="0">
-                          <a:solidFill>
-                            <a:srgbClr val="000000"/>
-                          </a:solidFill>
-                          <a:effectLst/>
-                        </a:rPr>
-                        <a:t>1</a:t>
-                      </a:r>
-                      <a:endParaRPr lang="ja-JP" altLang="en-US" sz="1200">
-                        <a:effectLst/>
-                      </a:endParaRPr>
-                    </a:p>
-                  </a:txBody>
-                  <a:tcPr marL="29561" marR="29561" marT="29561" marB="29561"/>
-                </a:tc>
-                <a:extLst>
-                  <a:ext uri="{0D108BD9-81ED-4DB2-BD59-A6C34878D82A}">
-                    <a16:rowId xmlns:a16="http://schemas.microsoft.com/office/drawing/2014/main" val="1658156896"/>
-                  </a:ext>
-                </a:extLst>
-              </a:tr>
-              <a:tr h="237510">
-                <a:tc>
-                  <a:txBody>
-                    <a:bodyPr/>
-                    <a:lstStyle/>
-                    <a:p>
-                      <a:pPr algn="ctr"/>
-                      <a:r>
-                        <a:rPr lang="en-US" altLang="ja-JP" sz="1200" b="0">
-                          <a:solidFill>
-                            <a:srgbClr val="000000"/>
-                          </a:solidFill>
-                          <a:effectLst/>
-                        </a:rPr>
-                        <a:t>17</a:t>
-                      </a:r>
-                      <a:endParaRPr lang="ja-JP" altLang="en-US" sz="1200" b="0">
-                        <a:effectLst/>
-                      </a:endParaRPr>
-                    </a:p>
-                  </a:txBody>
-                  <a:tcPr marL="29561" marR="29561" marT="29561" marB="29561"/>
-                </a:tc>
-                <a:tc>
-                  <a:txBody>
-                    <a:bodyPr/>
-                    <a:lstStyle/>
-                    <a:p>
-                      <a:pPr algn="ctr"/>
-                      <a:r>
-                        <a:rPr lang="en-US" altLang="ja-JP" sz="1200">
-                          <a:solidFill>
-                            <a:srgbClr val="000000"/>
-                          </a:solidFill>
-                          <a:effectLst/>
-                        </a:rPr>
-                        <a:t>1</a:t>
-                      </a:r>
-                      <a:endParaRPr lang="ja-JP" altLang="en-US" sz="1200">
-                        <a:effectLst/>
-                      </a:endParaRPr>
-                    </a:p>
-                  </a:txBody>
-                  <a:tcPr marL="29561" marR="29561" marT="29561" marB="29561"/>
-                </a:tc>
-                <a:tc>
-                  <a:txBody>
-                    <a:bodyPr/>
-                    <a:lstStyle/>
-                    <a:p>
-                      <a:pPr algn="ctr"/>
-                      <a:r>
-                        <a:rPr lang="en-US" altLang="ja-JP" sz="1200">
-                          <a:solidFill>
-                            <a:srgbClr val="000000"/>
-                          </a:solidFill>
-                          <a:effectLst/>
-                        </a:rPr>
-                        <a:t>4</a:t>
-                      </a:r>
-                      <a:endParaRPr lang="ja-JP" altLang="en-US" sz="1200">
-                        <a:effectLst/>
-                      </a:endParaRPr>
-                    </a:p>
-                  </a:txBody>
-                  <a:tcPr marL="29561" marR="29561" marT="29561" marB="29561"/>
-                </a:tc>
-                <a:tc>
-                  <a:txBody>
-                    <a:bodyPr/>
-                    <a:lstStyle/>
-                    <a:p>
-                      <a:pPr algn="ctr"/>
-                      <a:r>
-                        <a:rPr lang="en-US" altLang="ja-JP" sz="1200">
-                          <a:solidFill>
-                            <a:srgbClr val="000000"/>
-                          </a:solidFill>
-                          <a:effectLst/>
-                        </a:rPr>
-                        <a:t>1</a:t>
-                      </a:r>
-                      <a:endParaRPr lang="ja-JP" altLang="en-US" sz="1200">
-                        <a:effectLst/>
-                      </a:endParaRPr>
-                    </a:p>
-                  </a:txBody>
-                  <a:tcPr marL="29561" marR="29561" marT="29561" marB="29561"/>
-                </a:tc>
-                <a:extLst>
-                  <a:ext uri="{0D108BD9-81ED-4DB2-BD59-A6C34878D82A}">
-                    <a16:rowId xmlns:a16="http://schemas.microsoft.com/office/drawing/2014/main" val="359418449"/>
-                  </a:ext>
-                </a:extLst>
-              </a:tr>
-              <a:tr h="237510">
-                <a:tc>
-                  <a:txBody>
-                    <a:bodyPr/>
-                    <a:lstStyle/>
-                    <a:p>
-                      <a:pPr algn="ctr"/>
-                      <a:r>
-                        <a:rPr lang="en-US" altLang="ja-JP" sz="1200" b="0">
-                          <a:solidFill>
-                            <a:srgbClr val="000000"/>
-                          </a:solidFill>
-                          <a:effectLst/>
-                        </a:rPr>
-                        <a:t>11</a:t>
-                      </a:r>
-                      <a:endParaRPr lang="ja-JP" altLang="en-US" sz="1200" b="0">
-                        <a:effectLst/>
-                      </a:endParaRPr>
-                    </a:p>
-                  </a:txBody>
-                  <a:tcPr marL="29561" marR="29561" marT="29561" marB="29561"/>
-                </a:tc>
-                <a:tc>
-                  <a:txBody>
-                    <a:bodyPr/>
-                    <a:lstStyle/>
-                    <a:p>
-                      <a:pPr algn="ctr"/>
-                      <a:r>
-                        <a:rPr lang="en-US" altLang="ja-JP" sz="1200">
-                          <a:solidFill>
-                            <a:srgbClr val="000000"/>
-                          </a:solidFill>
-                          <a:effectLst/>
-                        </a:rPr>
-                        <a:t>1</a:t>
-                      </a:r>
-                      <a:endParaRPr lang="ja-JP" altLang="en-US" sz="1200">
-                        <a:effectLst/>
-                      </a:endParaRPr>
-                    </a:p>
-                  </a:txBody>
-                  <a:tcPr marL="29561" marR="29561" marT="29561" marB="29561"/>
-                </a:tc>
-                <a:tc>
-                  <a:txBody>
-                    <a:bodyPr/>
-                    <a:lstStyle/>
-                    <a:p>
-                      <a:pPr algn="ctr"/>
-                      <a:r>
-                        <a:rPr lang="en-US" altLang="ja-JP" sz="1200">
-                          <a:solidFill>
-                            <a:srgbClr val="000000"/>
-                          </a:solidFill>
-                          <a:effectLst/>
-                        </a:rPr>
-                        <a:t>5</a:t>
-                      </a:r>
-                      <a:endParaRPr lang="ja-JP" altLang="en-US" sz="1200">
-                        <a:effectLst/>
-                      </a:endParaRPr>
-                    </a:p>
-                  </a:txBody>
-                  <a:tcPr marL="29561" marR="29561" marT="29561" marB="29561"/>
-                </a:tc>
-                <a:tc>
-                  <a:txBody>
-                    <a:bodyPr/>
-                    <a:lstStyle/>
-                    <a:p>
-                      <a:pPr algn="ctr"/>
-                      <a:r>
-                        <a:rPr lang="en-US" altLang="ja-JP" sz="1200">
-                          <a:solidFill>
-                            <a:srgbClr val="000000"/>
-                          </a:solidFill>
-                          <a:effectLst/>
-                        </a:rPr>
-                        <a:t>1</a:t>
-                      </a:r>
-                      <a:endParaRPr lang="ja-JP" altLang="en-US" sz="1200">
-                        <a:effectLst/>
-                      </a:endParaRPr>
-                    </a:p>
-                  </a:txBody>
-                  <a:tcPr marL="29561" marR="29561" marT="29561" marB="29561"/>
-                </a:tc>
-                <a:extLst>
-                  <a:ext uri="{0D108BD9-81ED-4DB2-BD59-A6C34878D82A}">
-                    <a16:rowId xmlns:a16="http://schemas.microsoft.com/office/drawing/2014/main" val="1677744507"/>
-                  </a:ext>
-                </a:extLst>
-              </a:tr>
-              <a:tr h="237510">
-                <a:tc>
-                  <a:txBody>
-                    <a:bodyPr/>
-                    <a:lstStyle/>
-                    <a:p>
-                      <a:pPr algn="ctr"/>
-                      <a:r>
-                        <a:rPr lang="en-US" altLang="ja-JP" sz="1200" b="0">
-                          <a:solidFill>
-                            <a:srgbClr val="000000"/>
-                          </a:solidFill>
-                          <a:effectLst/>
-                        </a:rPr>
-                        <a:t>27</a:t>
-                      </a:r>
-                      <a:endParaRPr lang="ja-JP" altLang="en-US" sz="1200" b="0">
-                        <a:effectLst/>
-                      </a:endParaRPr>
-                    </a:p>
-                  </a:txBody>
-                  <a:tcPr marL="29561" marR="29561" marT="29561" marB="29561"/>
-                </a:tc>
-                <a:tc>
-                  <a:txBody>
-                    <a:bodyPr/>
-                    <a:lstStyle/>
-                    <a:p>
-                      <a:pPr algn="ctr"/>
-                      <a:r>
-                        <a:rPr lang="en-US" altLang="ja-JP" sz="1200" dirty="0">
-                          <a:solidFill>
-                            <a:srgbClr val="000000"/>
-                          </a:solidFill>
-                          <a:effectLst/>
-                        </a:rPr>
-                        <a:t>1</a:t>
-                      </a:r>
-                      <a:endParaRPr lang="ja-JP" altLang="en-US" sz="1200">
-                        <a:effectLst/>
-                      </a:endParaRPr>
-                    </a:p>
-                  </a:txBody>
-                  <a:tcPr marL="29561" marR="29561" marT="29561" marB="29561"/>
-                </a:tc>
-                <a:tc>
-                  <a:txBody>
-                    <a:bodyPr/>
-                    <a:lstStyle/>
-                    <a:p>
-                      <a:pPr algn="ctr"/>
-                      <a:r>
-                        <a:rPr lang="en-US" altLang="ja-JP" sz="1200">
-                          <a:solidFill>
-                            <a:srgbClr val="000000"/>
-                          </a:solidFill>
-                          <a:effectLst/>
-                        </a:rPr>
-                        <a:t>3</a:t>
-                      </a:r>
-                      <a:endParaRPr lang="ja-JP" altLang="en-US" sz="1200">
-                        <a:effectLst/>
-                      </a:endParaRPr>
-                    </a:p>
-                  </a:txBody>
-                  <a:tcPr marL="29561" marR="29561" marT="29561" marB="29561"/>
-                </a:tc>
-                <a:tc>
-                  <a:txBody>
-                    <a:bodyPr/>
-                    <a:lstStyle/>
-                    <a:p>
-                      <a:pPr algn="ctr"/>
-                      <a:r>
-                        <a:rPr lang="en-US" altLang="ja-JP" sz="1200">
-                          <a:solidFill>
-                            <a:srgbClr val="000000"/>
-                          </a:solidFill>
-                          <a:effectLst/>
-                        </a:rPr>
-                        <a:t>1</a:t>
-                      </a:r>
-                      <a:endParaRPr lang="ja-JP" altLang="en-US" sz="1200">
-                        <a:effectLst/>
-                      </a:endParaRPr>
-                    </a:p>
-                  </a:txBody>
-                  <a:tcPr marL="29561" marR="29561" marT="29561" marB="29561"/>
-                </a:tc>
-                <a:extLst>
-                  <a:ext uri="{0D108BD9-81ED-4DB2-BD59-A6C34878D82A}">
-                    <a16:rowId xmlns:a16="http://schemas.microsoft.com/office/drawing/2014/main" val="2915554269"/>
-                  </a:ext>
-                </a:extLst>
-              </a:tr>
-              <a:tr h="237510">
-                <a:tc>
-                  <a:txBody>
-                    <a:bodyPr/>
-                    <a:lstStyle/>
-                    <a:p>
-                      <a:pPr algn="ctr"/>
-                      <a:r>
-                        <a:rPr lang="en-US" altLang="ja-JP" sz="1200" b="0">
-                          <a:solidFill>
-                            <a:srgbClr val="000000"/>
-                          </a:solidFill>
-                          <a:effectLst/>
-                        </a:rPr>
-                        <a:t>5</a:t>
-                      </a:r>
-                      <a:endParaRPr lang="ja-JP" altLang="en-US" sz="1200" b="0">
-                        <a:effectLst/>
-                      </a:endParaRPr>
-                    </a:p>
-                  </a:txBody>
-                  <a:tcPr marL="29561" marR="29561" marT="29561" marB="29561"/>
-                </a:tc>
-                <a:tc>
-                  <a:txBody>
-                    <a:bodyPr/>
-                    <a:lstStyle/>
-                    <a:p>
-                      <a:pPr algn="ctr"/>
-                      <a:r>
-                        <a:rPr lang="en-US" altLang="ja-JP" sz="1200">
-                          <a:solidFill>
-                            <a:srgbClr val="000000"/>
-                          </a:solidFill>
-                          <a:effectLst/>
-                        </a:rPr>
-                        <a:t>1</a:t>
-                      </a:r>
-                      <a:endParaRPr lang="ja-JP" altLang="en-US" sz="1200">
-                        <a:effectLst/>
-                      </a:endParaRPr>
-                    </a:p>
-                  </a:txBody>
-                  <a:tcPr marL="29561" marR="29561" marT="29561" marB="29561"/>
-                </a:tc>
-                <a:tc>
-                  <a:txBody>
-                    <a:bodyPr/>
-                    <a:lstStyle/>
-                    <a:p>
-                      <a:pPr algn="ctr"/>
-                      <a:r>
-                        <a:rPr lang="en-US" altLang="ja-JP" sz="1200" dirty="0">
-                          <a:solidFill>
-                            <a:srgbClr val="000000"/>
-                          </a:solidFill>
-                          <a:effectLst/>
-                        </a:rPr>
-                        <a:t>3</a:t>
-                      </a:r>
-                      <a:endParaRPr lang="ja-JP" altLang="en-US" sz="1200">
-                        <a:effectLst/>
-                      </a:endParaRPr>
-                    </a:p>
-                  </a:txBody>
-                  <a:tcPr marL="29561" marR="29561" marT="29561" marB="29561"/>
-                </a:tc>
-                <a:tc>
-                  <a:txBody>
-                    <a:bodyPr/>
-                    <a:lstStyle/>
-                    <a:p>
-                      <a:pPr algn="ctr"/>
-                      <a:r>
-                        <a:rPr lang="en-US" altLang="ja-JP" sz="1200">
-                          <a:solidFill>
-                            <a:srgbClr val="000000"/>
-                          </a:solidFill>
-                          <a:effectLst/>
-                        </a:rPr>
-                        <a:t>1</a:t>
-                      </a:r>
-                      <a:endParaRPr lang="ja-JP" altLang="en-US" sz="1200">
-                        <a:effectLst/>
-                      </a:endParaRPr>
-                    </a:p>
-                  </a:txBody>
-                  <a:tcPr marL="29561" marR="29561" marT="29561" marB="29561"/>
-                </a:tc>
-                <a:extLst>
-                  <a:ext uri="{0D108BD9-81ED-4DB2-BD59-A6C34878D82A}">
-                    <a16:rowId xmlns:a16="http://schemas.microsoft.com/office/drawing/2014/main" val="2004190315"/>
-                  </a:ext>
-                </a:extLst>
-              </a:tr>
-              <a:tr h="237510">
-                <a:tc>
-                  <a:txBody>
-                    <a:bodyPr/>
-                    <a:lstStyle/>
-                    <a:p>
-                      <a:pPr algn="ctr"/>
-                      <a:r>
-                        <a:rPr lang="en-US" altLang="ja-JP" sz="1200" b="0">
-                          <a:solidFill>
-                            <a:srgbClr val="000000"/>
-                          </a:solidFill>
-                          <a:effectLst/>
-                        </a:rPr>
-                        <a:t>4</a:t>
-                      </a:r>
-                      <a:endParaRPr lang="ja-JP" altLang="en-US" sz="1200" b="0">
-                        <a:effectLst/>
-                      </a:endParaRPr>
-                    </a:p>
-                  </a:txBody>
-                  <a:tcPr marL="29561" marR="29561" marT="29561" marB="29561"/>
-                </a:tc>
-                <a:tc>
-                  <a:txBody>
-                    <a:bodyPr/>
-                    <a:lstStyle/>
-                    <a:p>
-                      <a:pPr algn="ctr"/>
-                      <a:r>
-                        <a:rPr lang="en-US" altLang="ja-JP" sz="1200">
-                          <a:solidFill>
-                            <a:srgbClr val="000000"/>
-                          </a:solidFill>
-                          <a:effectLst/>
-                        </a:rPr>
-                        <a:t>1</a:t>
-                      </a:r>
-                      <a:endParaRPr lang="ja-JP" altLang="en-US" sz="1200">
-                        <a:effectLst/>
-                      </a:endParaRPr>
-                    </a:p>
-                  </a:txBody>
-                  <a:tcPr marL="29561" marR="29561" marT="29561" marB="29561"/>
-                </a:tc>
-                <a:tc>
-                  <a:txBody>
-                    <a:bodyPr/>
-                    <a:lstStyle/>
-                    <a:p>
-                      <a:pPr algn="ctr"/>
-                      <a:r>
-                        <a:rPr lang="en-US" altLang="ja-JP" sz="1200">
-                          <a:solidFill>
-                            <a:srgbClr val="000000"/>
-                          </a:solidFill>
-                          <a:effectLst/>
-                        </a:rPr>
-                        <a:t>4</a:t>
-                      </a:r>
-                      <a:endParaRPr lang="ja-JP" altLang="en-US" sz="1200">
-                        <a:effectLst/>
-                      </a:endParaRPr>
-                    </a:p>
-                  </a:txBody>
-                  <a:tcPr marL="29561" marR="29561" marT="29561" marB="29561"/>
-                </a:tc>
-                <a:tc>
-                  <a:txBody>
-                    <a:bodyPr/>
-                    <a:lstStyle/>
-                    <a:p>
-                      <a:pPr algn="ctr"/>
-                      <a:r>
-                        <a:rPr lang="en-US" altLang="ja-JP" sz="1200">
-                          <a:solidFill>
-                            <a:srgbClr val="000000"/>
-                          </a:solidFill>
-                          <a:effectLst/>
-                        </a:rPr>
-                        <a:t>1</a:t>
-                      </a:r>
-                      <a:endParaRPr lang="ja-JP" altLang="en-US" sz="1200">
-                        <a:effectLst/>
-                      </a:endParaRPr>
-                    </a:p>
-                  </a:txBody>
-                  <a:tcPr marL="29561" marR="29561" marT="29561" marB="29561"/>
-                </a:tc>
-                <a:extLst>
-                  <a:ext uri="{0D108BD9-81ED-4DB2-BD59-A6C34878D82A}">
-                    <a16:rowId xmlns:a16="http://schemas.microsoft.com/office/drawing/2014/main" val="3880874249"/>
-                  </a:ext>
-                </a:extLst>
-              </a:tr>
-              <a:tr h="237510">
-                <a:tc>
-                  <a:txBody>
-                    <a:bodyPr/>
-                    <a:lstStyle/>
-                    <a:p>
-                      <a:pPr algn="ctr"/>
-                      <a:r>
-                        <a:rPr lang="en-US" altLang="ja-JP" sz="1200" b="0">
-                          <a:solidFill>
-                            <a:srgbClr val="000000"/>
-                          </a:solidFill>
-                          <a:effectLst/>
-                        </a:rPr>
-                        <a:t>25</a:t>
-                      </a:r>
-                      <a:endParaRPr lang="ja-JP" altLang="en-US" sz="1200" b="0">
-                        <a:effectLst/>
-                      </a:endParaRPr>
-                    </a:p>
-                  </a:txBody>
-                  <a:tcPr marL="29561" marR="29561" marT="29561" marB="29561"/>
-                </a:tc>
-                <a:tc>
-                  <a:txBody>
-                    <a:bodyPr/>
-                    <a:lstStyle/>
-                    <a:p>
-                      <a:pPr algn="ctr"/>
-                      <a:r>
-                        <a:rPr lang="en-US" altLang="ja-JP" sz="1200">
-                          <a:solidFill>
-                            <a:srgbClr val="000000"/>
-                          </a:solidFill>
-                          <a:effectLst/>
-                        </a:rPr>
-                        <a:t>1</a:t>
-                      </a:r>
-                      <a:endParaRPr lang="ja-JP" altLang="en-US" sz="1200">
-                        <a:effectLst/>
-                      </a:endParaRPr>
-                    </a:p>
-                  </a:txBody>
-                  <a:tcPr marL="29561" marR="29561" marT="29561" marB="29561"/>
-                </a:tc>
-                <a:tc>
-                  <a:txBody>
-                    <a:bodyPr/>
-                    <a:lstStyle/>
-                    <a:p>
-                      <a:pPr algn="ctr"/>
-                      <a:r>
-                        <a:rPr lang="en-US" altLang="ja-JP" sz="1200">
-                          <a:solidFill>
-                            <a:srgbClr val="000000"/>
-                          </a:solidFill>
-                          <a:effectLst/>
-                        </a:rPr>
-                        <a:t>4</a:t>
-                      </a:r>
-                      <a:endParaRPr lang="ja-JP" altLang="en-US" sz="1200">
-                        <a:effectLst/>
-                      </a:endParaRPr>
-                    </a:p>
-                  </a:txBody>
-                  <a:tcPr marL="29561" marR="29561" marT="29561" marB="29561"/>
-                </a:tc>
-                <a:tc>
-                  <a:txBody>
-                    <a:bodyPr/>
-                    <a:lstStyle/>
-                    <a:p>
-                      <a:pPr algn="ctr"/>
-                      <a:r>
-                        <a:rPr lang="en-US" altLang="ja-JP" sz="1200">
-                          <a:solidFill>
-                            <a:srgbClr val="000000"/>
-                          </a:solidFill>
-                          <a:effectLst/>
-                        </a:rPr>
-                        <a:t>1</a:t>
-                      </a:r>
-                      <a:endParaRPr lang="ja-JP" altLang="en-US" sz="1200">
-                        <a:effectLst/>
-                      </a:endParaRPr>
-                    </a:p>
-                  </a:txBody>
-                  <a:tcPr marL="29561" marR="29561" marT="29561" marB="29561"/>
-                </a:tc>
-                <a:extLst>
-                  <a:ext uri="{0D108BD9-81ED-4DB2-BD59-A6C34878D82A}">
-                    <a16:rowId xmlns:a16="http://schemas.microsoft.com/office/drawing/2014/main" val="918554740"/>
-                  </a:ext>
-                </a:extLst>
-              </a:tr>
-              <a:tr h="237510">
-                <a:tc>
-                  <a:txBody>
-                    <a:bodyPr/>
-                    <a:lstStyle/>
-                    <a:p>
-                      <a:pPr algn="ctr"/>
-                      <a:r>
-                        <a:rPr lang="en-US" altLang="ja-JP" sz="1200" b="0">
-                          <a:solidFill>
-                            <a:srgbClr val="000000"/>
-                          </a:solidFill>
-                          <a:effectLst/>
-                        </a:rPr>
-                        <a:t>32</a:t>
-                      </a:r>
-                      <a:endParaRPr lang="ja-JP" altLang="en-US" sz="1200" b="0">
-                        <a:effectLst/>
-                      </a:endParaRPr>
-                    </a:p>
-                  </a:txBody>
-                  <a:tcPr marL="29561" marR="29561" marT="29561" marB="29561"/>
-                </a:tc>
-                <a:tc>
-                  <a:txBody>
-                    <a:bodyPr/>
-                    <a:lstStyle/>
-                    <a:p>
-                      <a:pPr algn="ctr"/>
-                      <a:r>
-                        <a:rPr lang="en-US" altLang="ja-JP" sz="1200">
-                          <a:solidFill>
-                            <a:srgbClr val="000000"/>
-                          </a:solidFill>
-                          <a:effectLst/>
-                        </a:rPr>
-                        <a:t>1</a:t>
-                      </a:r>
-                      <a:endParaRPr lang="ja-JP" altLang="en-US" sz="1200">
-                        <a:effectLst/>
-                      </a:endParaRPr>
-                    </a:p>
-                  </a:txBody>
-                  <a:tcPr marL="29561" marR="29561" marT="29561" marB="29561"/>
-                </a:tc>
-                <a:tc>
-                  <a:txBody>
-                    <a:bodyPr/>
-                    <a:lstStyle/>
-                    <a:p>
-                      <a:pPr algn="ctr"/>
-                      <a:r>
-                        <a:rPr lang="en-US" altLang="ja-JP" sz="1200">
-                          <a:solidFill>
-                            <a:srgbClr val="000000"/>
-                          </a:solidFill>
-                          <a:effectLst/>
-                        </a:rPr>
-                        <a:t>5</a:t>
-                      </a:r>
-                      <a:endParaRPr lang="ja-JP" altLang="en-US" sz="1200">
-                        <a:effectLst/>
-                      </a:endParaRPr>
-                    </a:p>
-                  </a:txBody>
-                  <a:tcPr marL="29561" marR="29561" marT="29561" marB="29561"/>
-                </a:tc>
-                <a:tc>
-                  <a:txBody>
-                    <a:bodyPr/>
-                    <a:lstStyle/>
-                    <a:p>
-                      <a:pPr algn="ctr"/>
-                      <a:r>
-                        <a:rPr lang="en-US" altLang="ja-JP" sz="1200">
-                          <a:solidFill>
-                            <a:srgbClr val="000000"/>
-                          </a:solidFill>
-                          <a:effectLst/>
-                        </a:rPr>
-                        <a:t>1</a:t>
-                      </a:r>
-                      <a:endParaRPr lang="ja-JP" altLang="en-US" sz="1200">
-                        <a:effectLst/>
-                      </a:endParaRPr>
-                    </a:p>
-                  </a:txBody>
-                  <a:tcPr marL="29561" marR="29561" marT="29561" marB="29561"/>
-                </a:tc>
-                <a:extLst>
-                  <a:ext uri="{0D108BD9-81ED-4DB2-BD59-A6C34878D82A}">
-                    <a16:rowId xmlns:a16="http://schemas.microsoft.com/office/drawing/2014/main" val="1483023700"/>
-                  </a:ext>
-                </a:extLst>
-              </a:tr>
-              <a:tr h="237510">
-                <a:tc>
-                  <a:txBody>
-                    <a:bodyPr/>
-                    <a:lstStyle/>
-                    <a:p>
-                      <a:pPr algn="ctr"/>
-                      <a:r>
-                        <a:rPr lang="en-US" altLang="ja-JP" sz="1200" b="0">
-                          <a:solidFill>
-                            <a:srgbClr val="000000"/>
-                          </a:solidFill>
-                          <a:effectLst/>
-                        </a:rPr>
-                        <a:t>1</a:t>
-                      </a:r>
-                      <a:endParaRPr lang="ja-JP" altLang="en-US" sz="1200" b="0">
-                        <a:effectLst/>
-                      </a:endParaRPr>
-                    </a:p>
-                  </a:txBody>
-                  <a:tcPr marL="29561" marR="29561" marT="29561" marB="29561"/>
-                </a:tc>
-                <a:tc>
-                  <a:txBody>
-                    <a:bodyPr/>
-                    <a:lstStyle/>
-                    <a:p>
-                      <a:pPr algn="ctr"/>
-                      <a:r>
-                        <a:rPr lang="en-US" altLang="ja-JP" sz="1200">
-                          <a:solidFill>
-                            <a:srgbClr val="000000"/>
-                          </a:solidFill>
-                          <a:effectLst/>
-                        </a:rPr>
-                        <a:t>1</a:t>
-                      </a:r>
-                      <a:endParaRPr lang="ja-JP" altLang="en-US" sz="1200">
-                        <a:effectLst/>
-                      </a:endParaRPr>
-                    </a:p>
-                  </a:txBody>
-                  <a:tcPr marL="29561" marR="29561" marT="29561" marB="29561"/>
-                </a:tc>
-                <a:tc>
-                  <a:txBody>
-                    <a:bodyPr/>
-                    <a:lstStyle/>
-                    <a:p>
-                      <a:pPr algn="ctr"/>
-                      <a:r>
-                        <a:rPr lang="en-US" altLang="ja-JP" sz="1200">
-                          <a:solidFill>
-                            <a:srgbClr val="000000"/>
-                          </a:solidFill>
-                          <a:effectLst/>
-                        </a:rPr>
-                        <a:t>2</a:t>
-                      </a:r>
-                      <a:endParaRPr lang="ja-JP" altLang="en-US" sz="1200">
-                        <a:effectLst/>
-                      </a:endParaRPr>
-                    </a:p>
-                  </a:txBody>
-                  <a:tcPr marL="29561" marR="29561" marT="29561" marB="29561"/>
-                </a:tc>
-                <a:tc>
-                  <a:txBody>
-                    <a:bodyPr/>
-                    <a:lstStyle/>
-                    <a:p>
-                      <a:pPr algn="ctr"/>
-                      <a:r>
-                        <a:rPr lang="en-US" altLang="ja-JP" sz="1200">
-                          <a:solidFill>
-                            <a:srgbClr val="000000"/>
-                          </a:solidFill>
-                          <a:effectLst/>
-                        </a:rPr>
-                        <a:t>1</a:t>
-                      </a:r>
-                      <a:endParaRPr lang="ja-JP" altLang="en-US" sz="1200">
-                        <a:effectLst/>
-                      </a:endParaRPr>
-                    </a:p>
-                  </a:txBody>
-                  <a:tcPr marL="29561" marR="29561" marT="29561" marB="29561"/>
-                </a:tc>
-                <a:extLst>
-                  <a:ext uri="{0D108BD9-81ED-4DB2-BD59-A6C34878D82A}">
-                    <a16:rowId xmlns:a16="http://schemas.microsoft.com/office/drawing/2014/main" val="1564737045"/>
-                  </a:ext>
-                </a:extLst>
-              </a:tr>
-              <a:tr h="237510">
-                <a:tc>
-                  <a:txBody>
-                    <a:bodyPr/>
-                    <a:lstStyle/>
-                    <a:p>
-                      <a:pPr algn="ctr"/>
-                      <a:r>
-                        <a:rPr lang="en-US" altLang="ja-JP" sz="1200" b="0">
-                          <a:solidFill>
-                            <a:srgbClr val="000000"/>
-                          </a:solidFill>
-                          <a:effectLst/>
-                        </a:rPr>
-                        <a:t>24</a:t>
-                      </a:r>
-                      <a:endParaRPr lang="ja-JP" altLang="en-US" sz="1200" b="0">
-                        <a:effectLst/>
-                      </a:endParaRPr>
-                    </a:p>
-                  </a:txBody>
-                  <a:tcPr marL="29561" marR="29561" marT="29561" marB="29561"/>
-                </a:tc>
-                <a:tc>
-                  <a:txBody>
-                    <a:bodyPr/>
-                    <a:lstStyle/>
-                    <a:p>
-                      <a:pPr algn="ctr"/>
-                      <a:r>
-                        <a:rPr lang="en-US" altLang="ja-JP" sz="1200">
-                          <a:solidFill>
-                            <a:srgbClr val="000000"/>
-                          </a:solidFill>
-                          <a:effectLst/>
-                        </a:rPr>
-                        <a:t>1</a:t>
-                      </a:r>
-                      <a:endParaRPr lang="ja-JP" altLang="en-US" sz="1200">
-                        <a:effectLst/>
-                      </a:endParaRPr>
-                    </a:p>
-                  </a:txBody>
-                  <a:tcPr marL="29561" marR="29561" marT="29561" marB="29561"/>
-                </a:tc>
-                <a:tc>
-                  <a:txBody>
-                    <a:bodyPr/>
-                    <a:lstStyle/>
-                    <a:p>
-                      <a:pPr algn="ctr"/>
-                      <a:r>
-                        <a:rPr lang="en-US" altLang="ja-JP" sz="1200">
-                          <a:solidFill>
-                            <a:srgbClr val="000000"/>
-                          </a:solidFill>
-                          <a:effectLst/>
-                        </a:rPr>
-                        <a:t>2</a:t>
-                      </a:r>
-                      <a:endParaRPr lang="ja-JP" altLang="en-US" sz="1200">
-                        <a:effectLst/>
-                      </a:endParaRPr>
-                    </a:p>
-                  </a:txBody>
-                  <a:tcPr marL="29561" marR="29561" marT="29561" marB="29561"/>
-                </a:tc>
-                <a:tc>
-                  <a:txBody>
-                    <a:bodyPr/>
-                    <a:lstStyle/>
-                    <a:p>
-                      <a:pPr algn="ctr"/>
-                      <a:r>
-                        <a:rPr lang="en-US" altLang="ja-JP" sz="1200">
-                          <a:solidFill>
-                            <a:srgbClr val="000000"/>
-                          </a:solidFill>
-                          <a:effectLst/>
-                        </a:rPr>
-                        <a:t>1</a:t>
-                      </a:r>
-                      <a:endParaRPr lang="ja-JP" altLang="en-US" sz="1200">
-                        <a:effectLst/>
-                      </a:endParaRPr>
-                    </a:p>
-                  </a:txBody>
-                  <a:tcPr marL="29561" marR="29561" marT="29561" marB="29561"/>
-                </a:tc>
-                <a:extLst>
-                  <a:ext uri="{0D108BD9-81ED-4DB2-BD59-A6C34878D82A}">
-                    <a16:rowId xmlns:a16="http://schemas.microsoft.com/office/drawing/2014/main" val="244435978"/>
-                  </a:ext>
-                </a:extLst>
-              </a:tr>
-              <a:tr h="237510">
-                <a:tc>
-                  <a:txBody>
-                    <a:bodyPr/>
-                    <a:lstStyle/>
-                    <a:p>
-                      <a:pPr algn="ctr"/>
-                      <a:r>
-                        <a:rPr lang="en-US" altLang="ja-JP" sz="1200" b="0">
-                          <a:solidFill>
-                            <a:srgbClr val="000000"/>
-                          </a:solidFill>
-                          <a:effectLst/>
-                        </a:rPr>
-                        <a:t>33</a:t>
-                      </a:r>
-                      <a:endParaRPr lang="ja-JP" altLang="en-US" sz="1200" b="0">
-                        <a:effectLst/>
-                      </a:endParaRPr>
-                    </a:p>
-                  </a:txBody>
-                  <a:tcPr marL="29561" marR="29561" marT="29561" marB="29561"/>
-                </a:tc>
-                <a:tc>
-                  <a:txBody>
-                    <a:bodyPr/>
-                    <a:lstStyle/>
-                    <a:p>
-                      <a:pPr algn="ctr"/>
-                      <a:r>
-                        <a:rPr lang="en-US" altLang="ja-JP" sz="1200">
-                          <a:solidFill>
-                            <a:srgbClr val="000000"/>
-                          </a:solidFill>
-                          <a:effectLst/>
-                        </a:rPr>
-                        <a:t>1</a:t>
-                      </a:r>
-                      <a:endParaRPr lang="ja-JP" altLang="en-US" sz="1200">
-                        <a:effectLst/>
-                      </a:endParaRPr>
-                    </a:p>
-                  </a:txBody>
-                  <a:tcPr marL="29561" marR="29561" marT="29561" marB="29561"/>
-                </a:tc>
-                <a:tc>
-                  <a:txBody>
-                    <a:bodyPr/>
-                    <a:lstStyle/>
-                    <a:p>
-                      <a:pPr algn="ctr"/>
-                      <a:r>
-                        <a:rPr lang="en-US" altLang="ja-JP" sz="1200">
-                          <a:solidFill>
-                            <a:srgbClr val="000000"/>
-                          </a:solidFill>
-                          <a:effectLst/>
-                        </a:rPr>
-                        <a:t>3</a:t>
-                      </a:r>
-                      <a:endParaRPr lang="ja-JP" altLang="en-US" sz="1200">
-                        <a:effectLst/>
-                      </a:endParaRPr>
-                    </a:p>
-                  </a:txBody>
-                  <a:tcPr marL="29561" marR="29561" marT="29561" marB="29561"/>
-                </a:tc>
-                <a:tc>
-                  <a:txBody>
-                    <a:bodyPr/>
-                    <a:lstStyle/>
-                    <a:p>
-                      <a:pPr algn="ctr"/>
-                      <a:r>
-                        <a:rPr lang="en-US" altLang="ja-JP" sz="1200">
-                          <a:solidFill>
-                            <a:srgbClr val="000000"/>
-                          </a:solidFill>
-                          <a:effectLst/>
-                        </a:rPr>
-                        <a:t>1</a:t>
-                      </a:r>
-                      <a:endParaRPr lang="ja-JP" altLang="en-US" sz="1200">
-                        <a:effectLst/>
-                      </a:endParaRPr>
-                    </a:p>
-                  </a:txBody>
-                  <a:tcPr marL="29561" marR="29561" marT="29561" marB="29561"/>
-                </a:tc>
-                <a:extLst>
-                  <a:ext uri="{0D108BD9-81ED-4DB2-BD59-A6C34878D82A}">
-                    <a16:rowId xmlns:a16="http://schemas.microsoft.com/office/drawing/2014/main" val="45025650"/>
-                  </a:ext>
-                </a:extLst>
-              </a:tr>
-              <a:tr h="237510">
-                <a:tc>
-                  <a:txBody>
-                    <a:bodyPr/>
-                    <a:lstStyle/>
-                    <a:p>
-                      <a:pPr algn="ctr"/>
-                      <a:r>
-                        <a:rPr lang="en-US" altLang="ja-JP" sz="1200" b="0">
-                          <a:solidFill>
-                            <a:srgbClr val="000000"/>
-                          </a:solidFill>
-                          <a:effectLst/>
-                        </a:rPr>
-                        <a:t>12</a:t>
-                      </a:r>
-                      <a:endParaRPr lang="ja-JP" altLang="en-US" sz="1200" b="0">
-                        <a:effectLst/>
-                      </a:endParaRPr>
-                    </a:p>
-                  </a:txBody>
-                  <a:tcPr marL="29561" marR="29561" marT="29561" marB="29561"/>
-                </a:tc>
-                <a:tc>
-                  <a:txBody>
-                    <a:bodyPr/>
-                    <a:lstStyle/>
-                    <a:p>
-                      <a:pPr algn="ctr"/>
-                      <a:r>
-                        <a:rPr lang="en-US" altLang="ja-JP" sz="1200">
-                          <a:solidFill>
-                            <a:srgbClr val="000000"/>
-                          </a:solidFill>
-                          <a:effectLst/>
-                        </a:rPr>
-                        <a:t>1</a:t>
-                      </a:r>
-                      <a:endParaRPr lang="ja-JP" altLang="en-US" sz="1200">
-                        <a:effectLst/>
-                      </a:endParaRPr>
-                    </a:p>
-                  </a:txBody>
-                  <a:tcPr marL="29561" marR="29561" marT="29561" marB="29561"/>
-                </a:tc>
-                <a:tc>
-                  <a:txBody>
-                    <a:bodyPr/>
-                    <a:lstStyle/>
-                    <a:p>
-                      <a:pPr algn="ctr"/>
-                      <a:r>
-                        <a:rPr lang="en-US" altLang="ja-JP" sz="1200">
-                          <a:solidFill>
-                            <a:srgbClr val="000000"/>
-                          </a:solidFill>
-                          <a:effectLst/>
-                        </a:rPr>
-                        <a:t>4</a:t>
-                      </a:r>
-                      <a:endParaRPr lang="ja-JP" altLang="en-US" sz="1200">
-                        <a:effectLst/>
-                      </a:endParaRPr>
-                    </a:p>
-                  </a:txBody>
-                  <a:tcPr marL="29561" marR="29561" marT="29561" marB="29561"/>
-                </a:tc>
-                <a:tc>
-                  <a:txBody>
-                    <a:bodyPr/>
-                    <a:lstStyle/>
-                    <a:p>
-                      <a:pPr algn="ctr"/>
-                      <a:r>
-                        <a:rPr lang="en-US" altLang="ja-JP" sz="1200">
-                          <a:solidFill>
-                            <a:srgbClr val="000000"/>
-                          </a:solidFill>
-                          <a:effectLst/>
-                        </a:rPr>
-                        <a:t>2</a:t>
-                      </a:r>
-                      <a:endParaRPr lang="ja-JP" altLang="en-US" sz="1200">
-                        <a:effectLst/>
-                      </a:endParaRPr>
-                    </a:p>
-                  </a:txBody>
-                  <a:tcPr marL="29561" marR="29561" marT="29561" marB="29561"/>
-                </a:tc>
-                <a:extLst>
-                  <a:ext uri="{0D108BD9-81ED-4DB2-BD59-A6C34878D82A}">
-                    <a16:rowId xmlns:a16="http://schemas.microsoft.com/office/drawing/2014/main" val="1688752736"/>
-                  </a:ext>
-                </a:extLst>
-              </a:tr>
-              <a:tr h="237510">
-                <a:tc>
-                  <a:txBody>
-                    <a:bodyPr/>
-                    <a:lstStyle/>
-                    <a:p>
-                      <a:pPr algn="ctr"/>
-                      <a:r>
-                        <a:rPr lang="en-US" altLang="ja-JP" sz="1200" b="0">
-                          <a:solidFill>
-                            <a:srgbClr val="000000"/>
-                          </a:solidFill>
-                          <a:effectLst/>
-                        </a:rPr>
-                        <a:t>13</a:t>
-                      </a:r>
-                      <a:endParaRPr lang="ja-JP" altLang="en-US" sz="1200" b="0">
-                        <a:effectLst/>
-                      </a:endParaRPr>
-                    </a:p>
-                  </a:txBody>
-                  <a:tcPr marL="29561" marR="29561" marT="29561" marB="29561"/>
-                </a:tc>
-                <a:tc>
-                  <a:txBody>
-                    <a:bodyPr/>
-                    <a:lstStyle/>
-                    <a:p>
-                      <a:pPr algn="ctr"/>
-                      <a:r>
-                        <a:rPr lang="en-US" altLang="ja-JP" sz="1200">
-                          <a:solidFill>
-                            <a:srgbClr val="000000"/>
-                          </a:solidFill>
-                          <a:effectLst/>
-                        </a:rPr>
-                        <a:t>1</a:t>
-                      </a:r>
-                      <a:endParaRPr lang="ja-JP" altLang="en-US" sz="1200">
-                        <a:effectLst/>
-                      </a:endParaRPr>
-                    </a:p>
-                  </a:txBody>
-                  <a:tcPr marL="29561" marR="29561" marT="29561" marB="29561"/>
-                </a:tc>
-                <a:tc>
-                  <a:txBody>
-                    <a:bodyPr/>
-                    <a:lstStyle/>
-                    <a:p>
-                      <a:pPr algn="ctr"/>
-                      <a:r>
-                        <a:rPr lang="en-US" altLang="ja-JP" sz="1200">
-                          <a:solidFill>
-                            <a:srgbClr val="000000"/>
-                          </a:solidFill>
-                          <a:effectLst/>
-                        </a:rPr>
-                        <a:t>4</a:t>
-                      </a:r>
-                      <a:endParaRPr lang="ja-JP" altLang="en-US" sz="1200">
-                        <a:effectLst/>
-                      </a:endParaRPr>
-                    </a:p>
-                  </a:txBody>
-                  <a:tcPr marL="29561" marR="29561" marT="29561" marB="29561"/>
-                </a:tc>
-                <a:tc>
-                  <a:txBody>
-                    <a:bodyPr/>
-                    <a:lstStyle/>
-                    <a:p>
-                      <a:pPr algn="ctr"/>
-                      <a:r>
-                        <a:rPr lang="en-US" altLang="ja-JP" sz="1200">
-                          <a:solidFill>
-                            <a:srgbClr val="000000"/>
-                          </a:solidFill>
-                          <a:effectLst/>
-                        </a:rPr>
-                        <a:t>2</a:t>
-                      </a:r>
-                      <a:endParaRPr lang="ja-JP" altLang="en-US" sz="1200">
-                        <a:effectLst/>
-                      </a:endParaRPr>
-                    </a:p>
-                  </a:txBody>
-                  <a:tcPr marL="29561" marR="29561" marT="29561" marB="29561"/>
-                </a:tc>
-                <a:extLst>
-                  <a:ext uri="{0D108BD9-81ED-4DB2-BD59-A6C34878D82A}">
-                    <a16:rowId xmlns:a16="http://schemas.microsoft.com/office/drawing/2014/main" val="629008759"/>
-                  </a:ext>
-                </a:extLst>
-              </a:tr>
-              <a:tr h="237510">
-                <a:tc>
-                  <a:txBody>
-                    <a:bodyPr/>
-                    <a:lstStyle/>
-                    <a:p>
-                      <a:pPr algn="ctr"/>
-                      <a:r>
-                        <a:rPr lang="en-US" altLang="ja-JP" sz="1200" b="0">
-                          <a:solidFill>
-                            <a:srgbClr val="000000"/>
-                          </a:solidFill>
-                          <a:effectLst/>
-                        </a:rPr>
-                        <a:t>20</a:t>
-                      </a:r>
-                      <a:endParaRPr lang="ja-JP" altLang="en-US" sz="1200" b="0">
-                        <a:effectLst/>
-                      </a:endParaRPr>
-                    </a:p>
-                  </a:txBody>
-                  <a:tcPr marL="29561" marR="29561" marT="29561" marB="29561"/>
-                </a:tc>
-                <a:tc>
-                  <a:txBody>
-                    <a:bodyPr/>
-                    <a:lstStyle/>
-                    <a:p>
-                      <a:pPr algn="ctr"/>
-                      <a:r>
-                        <a:rPr lang="en-US" altLang="ja-JP" sz="1200">
-                          <a:solidFill>
-                            <a:srgbClr val="000000"/>
-                          </a:solidFill>
-                          <a:effectLst/>
-                        </a:rPr>
-                        <a:t>1</a:t>
-                      </a:r>
-                      <a:endParaRPr lang="ja-JP" altLang="en-US" sz="1200">
-                        <a:effectLst/>
-                      </a:endParaRPr>
-                    </a:p>
-                  </a:txBody>
-                  <a:tcPr marL="29561" marR="29561" marT="29561" marB="29561"/>
-                </a:tc>
-                <a:tc>
-                  <a:txBody>
-                    <a:bodyPr/>
-                    <a:lstStyle/>
-                    <a:p>
-                      <a:pPr algn="ctr"/>
-                      <a:r>
-                        <a:rPr lang="en-US" altLang="ja-JP" sz="1200">
-                          <a:solidFill>
-                            <a:srgbClr val="000000"/>
-                          </a:solidFill>
-                          <a:effectLst/>
-                        </a:rPr>
-                        <a:t>3</a:t>
-                      </a:r>
-                      <a:endParaRPr lang="ja-JP" altLang="en-US" sz="1200">
-                        <a:effectLst/>
-                      </a:endParaRPr>
-                    </a:p>
-                  </a:txBody>
-                  <a:tcPr marL="29561" marR="29561" marT="29561" marB="29561"/>
-                </a:tc>
-                <a:tc>
-                  <a:txBody>
-                    <a:bodyPr/>
-                    <a:lstStyle/>
-                    <a:p>
-                      <a:pPr algn="ctr"/>
-                      <a:r>
-                        <a:rPr lang="en-US" altLang="ja-JP" sz="1200">
-                          <a:solidFill>
-                            <a:srgbClr val="000000"/>
-                          </a:solidFill>
-                          <a:effectLst/>
-                        </a:rPr>
-                        <a:t>2</a:t>
-                      </a:r>
-                      <a:endParaRPr lang="ja-JP" altLang="en-US" sz="1200">
-                        <a:effectLst/>
-                      </a:endParaRPr>
-                    </a:p>
-                  </a:txBody>
-                  <a:tcPr marL="29561" marR="29561" marT="29561" marB="29561"/>
-                </a:tc>
-                <a:extLst>
-                  <a:ext uri="{0D108BD9-81ED-4DB2-BD59-A6C34878D82A}">
-                    <a16:rowId xmlns:a16="http://schemas.microsoft.com/office/drawing/2014/main" val="537418953"/>
-                  </a:ext>
-                </a:extLst>
-              </a:tr>
-              <a:tr h="237510">
-                <a:tc>
-                  <a:txBody>
-                    <a:bodyPr/>
-                    <a:lstStyle/>
-                    <a:p>
-                      <a:pPr algn="ctr"/>
-                      <a:r>
-                        <a:rPr lang="en-US" altLang="ja-JP" sz="1200" b="0" dirty="0">
-                          <a:solidFill>
-                            <a:srgbClr val="000000"/>
-                          </a:solidFill>
-                          <a:effectLst/>
-                        </a:rPr>
-                        <a:t>26</a:t>
-                      </a:r>
-                      <a:endParaRPr lang="ja-JP" altLang="en-US" sz="1200" b="0">
-                        <a:effectLst/>
-                      </a:endParaRPr>
-                    </a:p>
-                  </a:txBody>
-                  <a:tcPr marL="29561" marR="29561" marT="29561" marB="29561"/>
-                </a:tc>
-                <a:tc>
-                  <a:txBody>
-                    <a:bodyPr/>
-                    <a:lstStyle/>
-                    <a:p>
-                      <a:pPr algn="ctr"/>
-                      <a:r>
-                        <a:rPr lang="en-US" altLang="ja-JP" sz="1200" dirty="0">
-                          <a:solidFill>
-                            <a:srgbClr val="000000"/>
-                          </a:solidFill>
-                          <a:effectLst/>
-                        </a:rPr>
-                        <a:t>1</a:t>
-                      </a:r>
-                      <a:endParaRPr lang="ja-JP" altLang="en-US" sz="1200">
-                        <a:effectLst/>
-                      </a:endParaRPr>
-                    </a:p>
-                  </a:txBody>
-                  <a:tcPr marL="29561" marR="29561" marT="29561" marB="29561"/>
-                </a:tc>
-                <a:tc>
-                  <a:txBody>
-                    <a:bodyPr/>
-                    <a:lstStyle/>
-                    <a:p>
-                      <a:pPr algn="ctr"/>
-                      <a:r>
-                        <a:rPr lang="en-US" altLang="ja-JP" sz="1200" dirty="0">
-                          <a:solidFill>
-                            <a:srgbClr val="000000"/>
-                          </a:solidFill>
-                          <a:effectLst/>
-                        </a:rPr>
-                        <a:t>4</a:t>
-                      </a:r>
-                      <a:endParaRPr lang="ja-JP" altLang="en-US" sz="1200">
-                        <a:effectLst/>
-                      </a:endParaRPr>
-                    </a:p>
-                  </a:txBody>
-                  <a:tcPr marL="29561" marR="29561" marT="29561" marB="29561"/>
-                </a:tc>
-                <a:tc>
-                  <a:txBody>
-                    <a:bodyPr/>
-                    <a:lstStyle/>
-                    <a:p>
-                      <a:pPr algn="ctr"/>
-                      <a:r>
-                        <a:rPr lang="en-US" altLang="ja-JP" sz="1200" dirty="0">
-                          <a:solidFill>
-                            <a:srgbClr val="000000"/>
-                          </a:solidFill>
-                          <a:effectLst/>
-                        </a:rPr>
-                        <a:t>2</a:t>
-                      </a:r>
-                      <a:endParaRPr lang="ja-JP" altLang="en-US" sz="1200">
-                        <a:effectLst/>
-                      </a:endParaRPr>
-                    </a:p>
-                  </a:txBody>
-                  <a:tcPr marL="29561" marR="29561" marT="29561" marB="29561"/>
-                </a:tc>
-                <a:extLst>
-                  <a:ext uri="{0D108BD9-81ED-4DB2-BD59-A6C34878D82A}">
-                    <a16:rowId xmlns:a16="http://schemas.microsoft.com/office/drawing/2014/main" val="1503244858"/>
-                  </a:ext>
-                </a:extLst>
-              </a:tr>
-            </a:tbl>
-          </a:graphicData>
-        </a:graphic>
-      </p:graphicFrame>
-      <p:sp>
-        <p:nvSpPr>
-          <p:cNvPr id="5" name="テキスト ボックス 4">
-            <a:extLst>
-              <a:ext uri="{FF2B5EF4-FFF2-40B4-BE49-F238E27FC236}">
-                <a16:creationId xmlns:a16="http://schemas.microsoft.com/office/drawing/2014/main" id="{4FA1D5AE-5B1A-7D4F-A89D-7E97345968B2}"/>
-              </a:ext>
-            </a:extLst>
-          </p:cNvPr>
-          <p:cNvSpPr txBox="1"/>
-          <p:nvPr/>
-        </p:nvSpPr>
-        <p:spPr>
-          <a:xfrm>
-            <a:off x="8503920" y="5591715"/>
-            <a:ext cx="2492433" cy="369332"/>
-          </a:xfrm>
-          <a:prstGeom prst="rect">
-            <a:avLst/>
-          </a:prstGeom>
-          <a:noFill/>
-        </p:spPr>
-        <p:txBody>
-          <a:bodyPr wrap="square" rtlCol="0">
-            <a:spAutoFit/>
-          </a:bodyPr>
-          <a:lstStyle/>
-          <a:p>
-            <a:r>
-              <a:rPr kumimoji="1" lang="ja-JP" altLang="en-US"/>
-              <a:t>使用したデータの一部</a:t>
-            </a:r>
           </a:p>
         </p:txBody>
       </p:sp>
@@ -18850,26 +17021,6 @@
               <a:bodyPr/>
               <a:lstStyle/>
               <a:p>
-                <a14:m>
-                  <m:oMath xmlns:m="http://schemas.openxmlformats.org/officeDocument/2006/math">
-                    <m:r>
-                      <a:rPr lang="en-US" altLang="ja-JP" i="1">
-                        <a:latin typeface="Cambria Math" panose="02040503050406030204" pitchFamily="18" charset="0"/>
-                      </a:rPr>
-                      <m:t>𝑇</m:t>
-                    </m:r>
-                    <m:r>
-                      <a:rPr lang="en-US" altLang="ja-JP" i="1">
-                        <a:latin typeface="Cambria Math" panose="02040503050406030204" pitchFamily="18" charset="0"/>
-                      </a:rPr>
-                      <m:t>=3</m:t>
-                    </m:r>
-                  </m:oMath>
-                </a14:m>
-                <a:r>
-                  <a:rPr lang="ja-JP" altLang="en-US"/>
-                  <a:t>における</a:t>
-                </a:r>
                 <a14:m>
                   <m:oMath xmlns:m="http://schemas.openxmlformats.org/officeDocument/2006/math">
                     <m:sSub>
@@ -18929,7 +17080,7 @@
               <a:blipFill>
                 <a:blip r:embed="rId3"/>
                 <a:stretch>
-                  <a:fillRect l="-965"/>
+                  <a:fillRect l="-1689"/>
                 </a:stretch>
               </a:blipFill>
             </p:spPr>
@@ -18948,116 +17099,6 @@
           </p:sp>
         </mc:Fallback>
       </mc:AlternateContent>
-      <p:pic>
-        <p:nvPicPr>
-          <p:cNvPr id="5" name="図 4">
-            <a:extLst>
-              <a:ext uri="{FF2B5EF4-FFF2-40B4-BE49-F238E27FC236}">
-                <a16:creationId xmlns:a16="http://schemas.microsoft.com/office/drawing/2014/main" id="{E2228101-1629-C948-8444-EABA6CC83384}"/>
-              </a:ext>
-            </a:extLst>
-          </p:cNvPr>
-          <p:cNvPicPr>
-            <a:picLocks noChangeAspect="1"/>
-          </p:cNvPicPr>
-          <p:nvPr/>
-        </p:nvPicPr>
-        <p:blipFill rotWithShape="1">
-          <a:blip r:embed="rId4"/>
-          <a:srcRect l="-1170" t="10387" r="1170" b="808"/>
-          <a:stretch/>
-        </p:blipFill>
-        <p:spPr>
-          <a:xfrm>
-            <a:off x="1055882" y="1849597"/>
-            <a:ext cx="4533954" cy="3496016"/>
-          </a:xfrm>
-          <a:prstGeom prst="rect">
-            <a:avLst/>
-          </a:prstGeom>
-        </p:spPr>
-      </p:pic>
-      <p:sp>
-        <p:nvSpPr>
-          <p:cNvPr id="6" name="テキスト ボックス 5">
-            <a:extLst>
-              <a:ext uri="{FF2B5EF4-FFF2-40B4-BE49-F238E27FC236}">
-                <a16:creationId xmlns:a16="http://schemas.microsoft.com/office/drawing/2014/main" id="{4A4FD9A5-1015-244A-A170-03ABE92B609A}"/>
-              </a:ext>
-            </a:extLst>
-          </p:cNvPr>
-          <p:cNvSpPr txBox="1"/>
-          <p:nvPr/>
-        </p:nvSpPr>
-        <p:spPr>
-          <a:xfrm>
-            <a:off x="6281359" y="3057042"/>
-            <a:ext cx="4482942" cy="1200329"/>
-          </a:xfrm>
-          <a:prstGeom prst="rect">
-            <a:avLst/>
-          </a:prstGeom>
-          <a:noFill/>
-        </p:spPr>
-        <p:txBody>
-          <a:bodyPr wrap="square" rtlCol="0">
-            <a:spAutoFit/>
-          </a:bodyPr>
-          <a:lstStyle/>
-          <a:p>
-            <a:r>
-              <a:rPr kumimoji="1" lang="ja-JP" altLang="en-US"/>
-              <a:t>例</a:t>
-            </a:r>
-            <a:endParaRPr kumimoji="1" lang="en-US" altLang="ja-JP" dirty="0"/>
-          </a:p>
-          <a:p>
-            <a:r>
-              <a:rPr kumimoji="1" lang="ja-JP" altLang="en-US">
-                <a:solidFill>
-                  <a:srgbClr val="FF0000"/>
-                </a:solidFill>
-              </a:rPr>
-              <a:t>赤→厳しさが減少</a:t>
-            </a:r>
-            <a:endParaRPr kumimoji="1" lang="en-US" altLang="ja-JP" dirty="0">
-              <a:solidFill>
-                <a:srgbClr val="FF0000"/>
-              </a:solidFill>
-            </a:endParaRPr>
-          </a:p>
-          <a:p>
-            <a:r>
-              <a:rPr lang="ja-JP" altLang="en-US">
-                <a:solidFill>
-                  <a:srgbClr val="00B050"/>
-                </a:solidFill>
-              </a:rPr>
-              <a:t>緑→厳しさが増加</a:t>
-            </a:r>
-            <a:endParaRPr lang="en-US" altLang="ja-JP" dirty="0">
-              <a:solidFill>
-                <a:srgbClr val="00B050"/>
-              </a:solidFill>
-            </a:endParaRPr>
-          </a:p>
-          <a:p>
-            <a:r>
-              <a:rPr kumimoji="1" lang="ja-JP" altLang="en-US">
-                <a:solidFill>
-                  <a:srgbClr val="0070C0"/>
-                </a:solidFill>
-              </a:rPr>
-              <a:t>青→厳しさは変わらない</a:t>
-            </a:r>
-            <a:endParaRPr kumimoji="1" lang="en-US" altLang="ja-JP" dirty="0">
-              <a:solidFill>
-                <a:srgbClr val="0070C0"/>
-              </a:solidFill>
-            </a:endParaRPr>
-          </a:p>
-        </p:txBody>
-      </p:sp>
       <p:sp>
         <p:nvSpPr>
           <p:cNvPr id="7" name="テキスト ボックス 6">
@@ -19098,61 +17139,498 @@
           </a:p>
         </p:txBody>
       </p:sp>
-      <p:sp>
-        <p:nvSpPr>
-          <p:cNvPr id="4" name="正方形/長方形 3">
+      <p:pic>
+        <p:nvPicPr>
+          <p:cNvPr id="8" name="図 7">
             <a:extLst>
               <a:ext uri="{FF2B5EF4-FFF2-40B4-BE49-F238E27FC236}">
-                <a16:creationId xmlns:a16="http://schemas.microsoft.com/office/drawing/2014/main" id="{4AB2E08B-D31C-5445-9828-2620545EA3C3}"/>
+                <a16:creationId xmlns:a16="http://schemas.microsoft.com/office/drawing/2014/main" id="{8717126C-89F5-944F-9B7B-99DA290C5D04}"/>
               </a:ext>
             </a:extLst>
           </p:cNvPr>
-          <p:cNvSpPr/>
+          <p:cNvPicPr>
+            <a:picLocks noChangeAspect="1"/>
+          </p:cNvPicPr>
+          <p:nvPr/>
+        </p:nvPicPr>
+        <p:blipFill>
+          <a:blip r:embed="rId4"/>
+          <a:stretch>
+            <a:fillRect/>
+          </a:stretch>
+        </p:blipFill>
+        <p:spPr>
+          <a:xfrm>
+            <a:off x="838200" y="1554677"/>
+            <a:ext cx="5098838" cy="4099066"/>
+          </a:xfrm>
+          <a:prstGeom prst="rect">
+            <a:avLst/>
+          </a:prstGeom>
+        </p:spPr>
+      </p:pic>
+      <p:sp>
+        <p:nvSpPr>
+          <p:cNvPr id="10" name="テキスト ボックス 9">
+            <a:extLst>
+              <a:ext uri="{FF2B5EF4-FFF2-40B4-BE49-F238E27FC236}">
+                <a16:creationId xmlns:a16="http://schemas.microsoft.com/office/drawing/2014/main" id="{3E2A1E03-BF36-7B4B-B170-843A1F3AAC23}"/>
+              </a:ext>
+            </a:extLst>
+          </p:cNvPr>
+          <p:cNvSpPr txBox="1"/>
           <p:nvPr/>
         </p:nvSpPr>
         <p:spPr>
           <a:xfrm>
-            <a:off x="2459579" y="5004565"/>
-            <a:ext cx="2034043" cy="341048"/>
+            <a:off x="5837664" y="1510462"/>
+            <a:ext cx="6099716" cy="3837076"/>
           </a:xfrm>
           <a:prstGeom prst="rect">
             <a:avLst/>
           </a:prstGeom>
-          <a:solidFill>
-            <a:schemeClr val="bg1"/>
-          </a:solidFill>
-          <a:ln>
-            <a:noFill/>
-          </a:ln>
+          <a:noFill/>
         </p:spPr>
-        <p:style>
-          <a:lnRef idx="2">
-            <a:schemeClr val="accent1">
-              <a:shade val="50000"/>
-            </a:schemeClr>
-          </a:lnRef>
-          <a:fillRef idx="1">
-            <a:schemeClr val="accent1"/>
-          </a:fillRef>
-          <a:effectRef idx="0">
-            <a:schemeClr val="accent1"/>
-          </a:effectRef>
-          <a:fontRef idx="minor">
-            <a:schemeClr val="lt1"/>
-          </a:fontRef>
-        </p:style>
         <p:txBody>
-          <a:bodyPr rtlCol="0" anchor="ctr"/>
+          <a:bodyPr wrap="square">
+            <a:spAutoFit/>
+          </a:bodyPr>
           <a:lstStyle/>
           <a:p>
-            <a:pPr algn="ctr"/>
-            <a:r>
-              <a:rPr kumimoji="1" lang="ja-JP" altLang="en-US" sz="1400">
+            <a:pPr algn="ctr">
+              <a:lnSpc>
+                <a:spcPct val="150000"/>
+              </a:lnSpc>
+            </a:pPr>
+            <a:r>
+              <a:rPr lang="ja-JP" altLang="en-US" sz="2000" b="1">
+                <a:effectLst/>
+                <a:latin typeface="Menlo" panose="020B0609030804020204" pitchFamily="49" charset="0"/>
+              </a:rPr>
+              <a:t>指示した評価者</a:t>
+            </a:r>
+            <a:endParaRPr lang="en" altLang="ja-JP" sz="2000" b="1" dirty="0">
+              <a:effectLst/>
+              <a:latin typeface="Menlo" panose="020B0609030804020204" pitchFamily="49" charset="0"/>
+            </a:endParaRPr>
+          </a:p>
+          <a:p>
+            <a:pPr>
+              <a:lnSpc>
+                <a:spcPct val="150000"/>
+              </a:lnSpc>
+            </a:pPr>
+            <a:r>
+              <a:rPr lang="en" altLang="ja-JP" b="0" dirty="0">
                 <a:solidFill>
-                  <a:schemeClr val="tx1"/>
+                  <a:srgbClr val="777777"/>
                 </a:solidFill>
+                <a:effectLst/>
+                <a:latin typeface="Menlo" panose="020B0609030804020204" pitchFamily="49" charset="0"/>
               </a:rPr>
-              <a:t>時間区分</a:t>
+              <a:t>[</a:t>
+            </a:r>
+            <a:r>
+              <a:rPr lang="ja-JP" altLang="en-US" b="0">
+                <a:solidFill>
+                  <a:srgbClr val="333333"/>
+                </a:solidFill>
+                <a:effectLst/>
+                <a:latin typeface="Menlo" panose="020B0609030804020204" pitchFamily="49" charset="0"/>
+              </a:rPr>
+              <a:t>評価者</a:t>
+            </a:r>
+            <a:r>
+              <a:rPr lang="en" altLang="ja-JP" b="0" dirty="0">
+                <a:solidFill>
+                  <a:srgbClr val="333333"/>
+                </a:solidFill>
+                <a:effectLst/>
+                <a:latin typeface="Menlo" panose="020B0609030804020204" pitchFamily="49" charset="0"/>
+              </a:rPr>
+              <a:t>A</a:t>
+            </a:r>
+            <a:r>
+              <a:rPr lang="en" altLang="ja-JP" b="0" dirty="0">
+                <a:solidFill>
+                  <a:srgbClr val="777777"/>
+                </a:solidFill>
+                <a:effectLst/>
+                <a:latin typeface="Menlo" panose="020B0609030804020204" pitchFamily="49" charset="0"/>
+              </a:rPr>
+              <a:t>]</a:t>
+            </a:r>
+            <a:r>
+              <a:rPr lang="ja-JP" altLang="en-US" b="0">
+                <a:solidFill>
+                  <a:srgbClr val="333333"/>
+                </a:solidFill>
+                <a:effectLst/>
+                <a:latin typeface="Menlo" panose="020B0609030804020204" pitchFamily="49" charset="0"/>
+              </a:rPr>
+              <a:t>日ごとにだんだん厳しくなるように採点する</a:t>
+            </a:r>
+          </a:p>
+          <a:p>
+            <a:pPr>
+              <a:lnSpc>
+                <a:spcPct val="150000"/>
+              </a:lnSpc>
+            </a:pPr>
+            <a:r>
+              <a:rPr lang="en" altLang="ja-JP" b="0" dirty="0">
+                <a:solidFill>
+                  <a:srgbClr val="FF0000"/>
+                </a:solidFill>
+                <a:effectLst/>
+                <a:latin typeface="Menlo" panose="020B0609030804020204" pitchFamily="49" charset="0"/>
+              </a:rPr>
+              <a:t>[</a:t>
+            </a:r>
+            <a:r>
+              <a:rPr lang="ja-JP" altLang="en-US" b="0">
+                <a:solidFill>
+                  <a:srgbClr val="FF0000"/>
+                </a:solidFill>
+                <a:effectLst/>
+                <a:latin typeface="Menlo" panose="020B0609030804020204" pitchFamily="49" charset="0"/>
+              </a:rPr>
+              <a:t>評価者</a:t>
+            </a:r>
+            <a:r>
+              <a:rPr lang="en" altLang="ja-JP" b="0" dirty="0">
+                <a:solidFill>
+                  <a:srgbClr val="FF0000"/>
+                </a:solidFill>
+                <a:effectLst/>
+                <a:latin typeface="Menlo" panose="020B0609030804020204" pitchFamily="49" charset="0"/>
+              </a:rPr>
+              <a:t>B]</a:t>
+            </a:r>
+            <a:r>
+              <a:rPr lang="ja-JP" altLang="en-US" b="0">
+                <a:solidFill>
+                  <a:srgbClr val="333333"/>
+                </a:solidFill>
+                <a:effectLst/>
+                <a:latin typeface="Menlo" panose="020B0609030804020204" pitchFamily="49" charset="0"/>
+              </a:rPr>
+              <a:t>日ごとにだんだん優しくなるように採点する</a:t>
+            </a:r>
+          </a:p>
+          <a:p>
+            <a:pPr>
+              <a:lnSpc>
+                <a:spcPct val="150000"/>
+              </a:lnSpc>
+            </a:pPr>
+            <a:r>
+              <a:rPr lang="en" altLang="ja-JP" b="0" dirty="0">
+                <a:solidFill>
+                  <a:srgbClr val="92D050"/>
+                </a:solidFill>
+                <a:effectLst/>
+                <a:latin typeface="Menlo" panose="020B0609030804020204" pitchFamily="49" charset="0"/>
+              </a:rPr>
+              <a:t>[</a:t>
+            </a:r>
+            <a:r>
+              <a:rPr lang="ja-JP" altLang="en-US" b="0">
+                <a:solidFill>
+                  <a:srgbClr val="92D050"/>
+                </a:solidFill>
+                <a:effectLst/>
+                <a:latin typeface="Menlo" panose="020B0609030804020204" pitchFamily="49" charset="0"/>
+              </a:rPr>
+              <a:t>評価者</a:t>
+            </a:r>
+            <a:r>
+              <a:rPr lang="en" altLang="ja-JP" b="0" dirty="0">
+                <a:solidFill>
+                  <a:srgbClr val="92D050"/>
+                </a:solidFill>
+                <a:effectLst/>
+                <a:latin typeface="Menlo" panose="020B0609030804020204" pitchFamily="49" charset="0"/>
+              </a:rPr>
+              <a:t>C]</a:t>
+            </a:r>
+            <a:r>
+              <a:rPr lang="ja-JP" altLang="en-US" b="0">
+                <a:solidFill>
+                  <a:srgbClr val="333333"/>
+                </a:solidFill>
+                <a:effectLst/>
+                <a:latin typeface="Menlo" panose="020B0609030804020204" pitchFamily="49" charset="0"/>
+              </a:rPr>
+              <a:t>日によって厳しさを変えて採点する </a:t>
+            </a:r>
+            <a:endParaRPr lang="en-US" altLang="ja-JP" b="0" dirty="0">
+              <a:solidFill>
+                <a:srgbClr val="333333"/>
+              </a:solidFill>
+              <a:effectLst/>
+              <a:latin typeface="Menlo" panose="020B0609030804020204" pitchFamily="49" charset="0"/>
+            </a:endParaRPr>
+          </a:p>
+          <a:p>
+            <a:pPr>
+              <a:lnSpc>
+                <a:spcPct val="150000"/>
+              </a:lnSpc>
+            </a:pPr>
+            <a:r>
+              <a:rPr lang="en" altLang="ja-JP" b="0" dirty="0">
+                <a:solidFill>
+                  <a:srgbClr val="0070C0"/>
+                </a:solidFill>
+                <a:effectLst/>
+                <a:latin typeface="Menlo" panose="020B0609030804020204" pitchFamily="49" charset="0"/>
+              </a:rPr>
+              <a:t>[</a:t>
+            </a:r>
+            <a:r>
+              <a:rPr lang="ja-JP" altLang="en-US" b="0">
+                <a:solidFill>
+                  <a:srgbClr val="0070C0"/>
+                </a:solidFill>
+                <a:effectLst/>
+                <a:latin typeface="Menlo" panose="020B0609030804020204" pitchFamily="49" charset="0"/>
+              </a:rPr>
+              <a:t>評価者</a:t>
+            </a:r>
+            <a:r>
+              <a:rPr lang="en" altLang="ja-JP" b="0" dirty="0">
+                <a:solidFill>
+                  <a:srgbClr val="0070C0"/>
+                </a:solidFill>
+                <a:effectLst/>
+                <a:latin typeface="Menlo" panose="020B0609030804020204" pitchFamily="49" charset="0"/>
+              </a:rPr>
+              <a:t>D]</a:t>
+            </a:r>
+            <a:r>
+              <a:rPr lang="ja-JP" altLang="en-US" b="0">
+                <a:solidFill>
+                  <a:srgbClr val="333333"/>
+                </a:solidFill>
+                <a:effectLst/>
+                <a:latin typeface="Menlo" panose="020B0609030804020204" pitchFamily="49" charset="0"/>
+              </a:rPr>
+              <a:t>使用する得点に偏りを持たせ，</a:t>
+            </a:r>
+            <a:r>
+              <a:rPr lang="en-US" altLang="ja-JP" b="0" dirty="0">
+                <a:solidFill>
+                  <a:srgbClr val="333333"/>
+                </a:solidFill>
+                <a:effectLst/>
+                <a:latin typeface="Menlo" panose="020B0609030804020204" pitchFamily="49" charset="0"/>
+              </a:rPr>
+              <a:t>2</a:t>
+            </a:r>
+            <a:r>
+              <a:rPr lang="ja-JP" altLang="en-US" b="0">
+                <a:solidFill>
+                  <a:srgbClr val="333333"/>
+                </a:solidFill>
+                <a:effectLst/>
+                <a:latin typeface="Menlo" panose="020B0609030804020204" pitchFamily="49" charset="0"/>
+              </a:rPr>
+              <a:t>，</a:t>
+            </a:r>
+            <a:r>
+              <a:rPr lang="en-US" altLang="ja-JP" b="0" dirty="0">
+                <a:solidFill>
+                  <a:srgbClr val="333333"/>
+                </a:solidFill>
+                <a:effectLst/>
+                <a:latin typeface="Menlo" panose="020B0609030804020204" pitchFamily="49" charset="0"/>
+              </a:rPr>
+              <a:t>3</a:t>
+            </a:r>
+            <a:r>
+              <a:rPr lang="ja-JP" altLang="en-US" b="0">
+                <a:solidFill>
+                  <a:srgbClr val="333333"/>
+                </a:solidFill>
+                <a:effectLst/>
+                <a:latin typeface="Menlo" panose="020B0609030804020204" pitchFamily="49" charset="0"/>
+              </a:rPr>
+              <a:t>，</a:t>
+            </a:r>
+            <a:r>
+              <a:rPr lang="en-US" altLang="ja-JP" b="0" dirty="0">
+                <a:solidFill>
+                  <a:srgbClr val="333333"/>
+                </a:solidFill>
+                <a:effectLst/>
+                <a:latin typeface="Menlo" panose="020B0609030804020204" pitchFamily="49" charset="0"/>
+              </a:rPr>
+              <a:t>4</a:t>
+            </a:r>
+            <a:r>
+              <a:rPr lang="ja-JP" altLang="en-US" b="0">
+                <a:solidFill>
+                  <a:srgbClr val="333333"/>
+                </a:solidFill>
+                <a:effectLst/>
+                <a:latin typeface="Menlo" panose="020B0609030804020204" pitchFamily="49" charset="0"/>
+              </a:rPr>
+              <a:t>点を多く使用するように採点する</a:t>
+            </a:r>
+          </a:p>
+          <a:p>
+            <a:pPr>
+              <a:lnSpc>
+                <a:spcPct val="150000"/>
+              </a:lnSpc>
+            </a:pPr>
+            <a:r>
+              <a:rPr lang="en" altLang="ja-JP" b="0" dirty="0">
+                <a:solidFill>
+                  <a:srgbClr val="00B0F0"/>
+                </a:solidFill>
+                <a:effectLst/>
+                <a:latin typeface="Menlo" panose="020B0609030804020204" pitchFamily="49" charset="0"/>
+              </a:rPr>
+              <a:t>[</a:t>
+            </a:r>
+            <a:r>
+              <a:rPr lang="ja-JP" altLang="en-US" b="0">
+                <a:solidFill>
+                  <a:srgbClr val="00B0F0"/>
+                </a:solidFill>
+                <a:effectLst/>
+                <a:latin typeface="Menlo" panose="020B0609030804020204" pitchFamily="49" charset="0"/>
+              </a:rPr>
+              <a:t>評価者</a:t>
+            </a:r>
+            <a:r>
+              <a:rPr lang="en" altLang="ja-JP" b="0" dirty="0">
+                <a:solidFill>
+                  <a:srgbClr val="00B0F0"/>
+                </a:solidFill>
+                <a:effectLst/>
+                <a:latin typeface="Menlo" panose="020B0609030804020204" pitchFamily="49" charset="0"/>
+              </a:rPr>
+              <a:t>E]</a:t>
+            </a:r>
+            <a:r>
+              <a:rPr lang="ja-JP" altLang="en-US" b="0">
+                <a:solidFill>
+                  <a:srgbClr val="333333"/>
+                </a:solidFill>
+                <a:effectLst/>
+                <a:latin typeface="Menlo" panose="020B0609030804020204" pitchFamily="49" charset="0"/>
+              </a:rPr>
+              <a:t>使用する得点に偏りを持たせ，</a:t>
+            </a:r>
+            <a:r>
+              <a:rPr lang="en-US" altLang="ja-JP" b="0" dirty="0">
+                <a:solidFill>
+                  <a:srgbClr val="333333"/>
+                </a:solidFill>
+                <a:effectLst/>
+                <a:latin typeface="Menlo" panose="020B0609030804020204" pitchFamily="49" charset="0"/>
+              </a:rPr>
+              <a:t>1</a:t>
+            </a:r>
+            <a:r>
+              <a:rPr lang="ja-JP" altLang="en-US" b="0">
+                <a:solidFill>
+                  <a:srgbClr val="333333"/>
+                </a:solidFill>
+                <a:effectLst/>
+                <a:latin typeface="Menlo" panose="020B0609030804020204" pitchFamily="49" charset="0"/>
+              </a:rPr>
+              <a:t>，</a:t>
+            </a:r>
+            <a:r>
+              <a:rPr lang="en-US" altLang="ja-JP" b="0" dirty="0">
+                <a:solidFill>
+                  <a:srgbClr val="333333"/>
+                </a:solidFill>
+                <a:effectLst/>
+                <a:latin typeface="Menlo" panose="020B0609030804020204" pitchFamily="49" charset="0"/>
+              </a:rPr>
+              <a:t>3</a:t>
+            </a:r>
+            <a:r>
+              <a:rPr lang="ja-JP" altLang="en-US" b="0">
+                <a:solidFill>
+                  <a:srgbClr val="333333"/>
+                </a:solidFill>
+                <a:effectLst/>
+                <a:latin typeface="Menlo" panose="020B0609030804020204" pitchFamily="49" charset="0"/>
+              </a:rPr>
+              <a:t>，</a:t>
+            </a:r>
+            <a:r>
+              <a:rPr lang="en-US" altLang="ja-JP" b="0" dirty="0">
+                <a:solidFill>
+                  <a:srgbClr val="333333"/>
+                </a:solidFill>
+                <a:effectLst/>
+                <a:latin typeface="Menlo" panose="020B0609030804020204" pitchFamily="49" charset="0"/>
+              </a:rPr>
+              <a:t>5</a:t>
+            </a:r>
+            <a:r>
+              <a:rPr lang="ja-JP" altLang="en-US" b="0">
+                <a:solidFill>
+                  <a:srgbClr val="333333"/>
+                </a:solidFill>
+                <a:effectLst/>
+                <a:latin typeface="Menlo" panose="020B0609030804020204" pitchFamily="49" charset="0"/>
+              </a:rPr>
+              <a:t>点を多く使用するように採点する</a:t>
+            </a:r>
+          </a:p>
+          <a:p>
+            <a:pPr>
+              <a:lnSpc>
+                <a:spcPct val="150000"/>
+              </a:lnSpc>
+            </a:pPr>
+            <a:r>
+              <a:rPr lang="en" altLang="ja-JP" b="0" dirty="0">
+                <a:solidFill>
+                  <a:srgbClr val="7030A0"/>
+                </a:solidFill>
+                <a:effectLst/>
+                <a:latin typeface="Menlo" panose="020B0609030804020204" pitchFamily="49" charset="0"/>
+              </a:rPr>
+              <a:t>[</a:t>
+            </a:r>
+            <a:r>
+              <a:rPr lang="ja-JP" altLang="en-US" b="0">
+                <a:solidFill>
+                  <a:srgbClr val="7030A0"/>
+                </a:solidFill>
+                <a:effectLst/>
+                <a:latin typeface="Menlo" panose="020B0609030804020204" pitchFamily="49" charset="0"/>
+              </a:rPr>
+              <a:t>評価者</a:t>
+            </a:r>
+            <a:r>
+              <a:rPr lang="en" altLang="ja-JP" b="0" dirty="0">
+                <a:solidFill>
+                  <a:srgbClr val="7030A0"/>
+                </a:solidFill>
+                <a:effectLst/>
+                <a:latin typeface="Menlo" panose="020B0609030804020204" pitchFamily="49" charset="0"/>
+              </a:rPr>
+              <a:t>F]</a:t>
+            </a:r>
+            <a:r>
+              <a:rPr lang="ja-JP" altLang="en-US" b="0">
+                <a:solidFill>
+                  <a:srgbClr val="333333"/>
+                </a:solidFill>
+                <a:effectLst/>
+                <a:latin typeface="Menlo" panose="020B0609030804020204" pitchFamily="49" charset="0"/>
+              </a:rPr>
+              <a:t>採点基準を用いずに採点する</a:t>
             </a:r>
           </a:p>
         </p:txBody>
@@ -19232,14 +17710,14 @@
             <p:ph idx="1"/>
             <p:extLst>
               <p:ext uri="{D42A27DB-BD31-4B8C-83A1-F6EECF244321}">
-                <p14:modId xmlns:p14="http://schemas.microsoft.com/office/powerpoint/2010/main" val="3859897025"/>
+                <p14:modId xmlns:p14="http://schemas.microsoft.com/office/powerpoint/2010/main" val="593452382"/>
               </p:ext>
             </p:extLst>
           </p:nvPr>
         </p:nvGraphicFramePr>
         <p:xfrm>
-          <a:off x="990006" y="3575610"/>
-          <a:ext cx="6392487" cy="2592709"/>
+          <a:off x="0" y="3575610"/>
+          <a:ext cx="7606145" cy="3474720"/>
         </p:xfrm>
         <a:graphic>
           <a:graphicData uri="http://schemas.openxmlformats.org/drawingml/2006/table">
@@ -19248,28 +17726,42 @@
                 <a:tableStyleId>{5C22544A-7EE6-4342-B048-85BDC9FD1C3A}</a:tableStyleId>
               </a:tblPr>
               <a:tblGrid>
-                <a:gridCol w="1039091">
+                <a:gridCol w="683023">
                   <a:extLst>
                     <a:ext uri="{9D8B030D-6E8A-4147-A177-3AD203B41FA5}">
                       <a16:colId xmlns:a16="http://schemas.microsoft.com/office/drawing/2014/main" val="1577797759"/>
                     </a:ext>
                   </a:extLst>
                 </a:gridCol>
-                <a:gridCol w="1330036">
-                  <a:extLst>
-                    <a:ext uri="{9D8B030D-6E8A-4147-A177-3AD203B41FA5}">
-                      <a16:colId xmlns:a16="http://schemas.microsoft.com/office/drawing/2014/main" val="4112219578"/>
-                    </a:ext>
-                  </a:extLst>
-                </a:gridCol>
-                <a:gridCol w="1853739">
+                <a:gridCol w="1218514">
                   <a:extLst>
                     <a:ext uri="{9D8B030D-6E8A-4147-A177-3AD203B41FA5}">
                       <a16:colId xmlns:a16="http://schemas.microsoft.com/office/drawing/2014/main" val="3362389499"/>
                     </a:ext>
                   </a:extLst>
                 </a:gridCol>
-                <a:gridCol w="2169621">
+                <a:gridCol w="1426152">
+                  <a:extLst>
+                    <a:ext uri="{9D8B030D-6E8A-4147-A177-3AD203B41FA5}">
+                      <a16:colId xmlns:a16="http://schemas.microsoft.com/office/drawing/2014/main" val="598797701"/>
+                    </a:ext>
+                  </a:extLst>
+                </a:gridCol>
+                <a:gridCol w="1426152">
+                  <a:extLst>
+                    <a:ext uri="{9D8B030D-6E8A-4147-A177-3AD203B41FA5}">
+                      <a16:colId xmlns:a16="http://schemas.microsoft.com/office/drawing/2014/main" val="2631326619"/>
+                    </a:ext>
+                  </a:extLst>
+                </a:gridCol>
+                <a:gridCol w="1426152">
+                  <a:extLst>
+                    <a:ext uri="{9D8B030D-6E8A-4147-A177-3AD203B41FA5}">
+                      <a16:colId xmlns:a16="http://schemas.microsoft.com/office/drawing/2014/main" val="2123760642"/>
+                    </a:ext>
+                  </a:extLst>
+                </a:gridCol>
+                <a:gridCol w="1426152">
                   <a:extLst>
                     <a:ext uri="{9D8B030D-6E8A-4147-A177-3AD203B41FA5}">
                       <a16:colId xmlns:a16="http://schemas.microsoft.com/office/drawing/2014/main" val="2101399842"/>
@@ -19297,7 +17789,7 @@
                       <a:pPr algn="ctr"/>
                       <a:r>
                         <a:rPr kumimoji="1" lang="ja-JP" altLang="en-US"/>
-                        <a:t>時間区分数</a:t>
+                        <a:t>既存モデル</a:t>
                       </a:r>
                     </a:p>
                   </a:txBody>
@@ -19311,8 +17803,51 @@
                       <a:pPr algn="ctr"/>
                       <a:r>
                         <a:rPr kumimoji="1" lang="ja-JP" altLang="en-US"/>
-                        <a:t>既存モデル</a:t>
+                        <a:t>比較モデル</a:t>
                       </a:r>
+                      <a:r>
+                        <a:rPr kumimoji="1" lang="en-US" altLang="ja-JP" dirty="0"/>
+                        <a:t>1</a:t>
+                      </a:r>
+                      <a:endParaRPr kumimoji="1" lang="ja-JP" altLang="en-US"/>
+                    </a:p>
+                  </a:txBody>
+                  <a:tcPr/>
+                </a:tc>
+                <a:tc>
+                  <a:txBody>
+                    <a:bodyPr/>
+                    <a:lstStyle/>
+                    <a:p>
+                      <a:pPr algn="ctr"/>
+                      <a:r>
+                        <a:rPr kumimoji="1" lang="ja-JP" altLang="en-US"/>
+                        <a:t>比較モデル</a:t>
+                      </a:r>
+                      <a:r>
+                        <a:rPr kumimoji="1" lang="en-US" altLang="ja-JP" dirty="0"/>
+                        <a:t>2</a:t>
+                      </a:r>
+                      <a:endParaRPr kumimoji="1" lang="ja-JP" altLang="en-US"/>
+                    </a:p>
+                  </a:txBody>
+                  <a:tcPr/>
+                </a:tc>
+                <a:tc>
+                  <a:txBody>
+                    <a:bodyPr/>
+                    <a:lstStyle/>
+                    <a:p>
+                      <a:pPr algn="ctr"/>
+                      <a:r>
+                        <a:rPr kumimoji="1" lang="ja-JP" altLang="en-US"/>
+                        <a:t>比較モデル</a:t>
+                      </a:r>
+                      <a:r>
+                        <a:rPr kumimoji="1" lang="en-US" altLang="ja-JP" dirty="0"/>
+                        <a:t>3</a:t>
+                      </a:r>
+                      <a:endParaRPr kumimoji="1" lang="ja-JP" altLang="en-US"/>
                     </a:p>
                   </a:txBody>
                   <a:tcPr/>
@@ -19360,10 +17895,18 @@
                     <a:p>
                       <a:pPr algn="ctr"/>
                       <a:r>
-                        <a:rPr kumimoji="1" lang="en-US" altLang="ja-JP" dirty="0"/>
-                        <a:t>3</a:t>
+                        <a:rPr kumimoji="1" lang="en-US" altLang="ja-JP" dirty="0">
+                          <a:solidFill>
+                            <a:schemeClr val="tx1"/>
+                          </a:solidFill>
+                        </a:rPr>
+                        <a:t>5361.581</a:t>
                       </a:r>
-                      <a:endParaRPr kumimoji="1" lang="ja-JP" altLang="en-US"/>
+                      <a:endParaRPr kumimoji="1" lang="ja-JP" altLang="en-US">
+                        <a:solidFill>
+                          <a:schemeClr val="tx1"/>
+                        </a:solidFill>
+                      </a:endParaRPr>
                     </a:p>
                   </a:txBody>
                   <a:tcPr/>
@@ -19373,12 +17916,44 @@
                     <a:bodyPr/>
                     <a:lstStyle/>
                     <a:p>
+                      <a:pPr marL="0" marR="0" lvl="0" indent="0" algn="ctr" defTabSz="914400" rtl="0" eaLnBrk="1" fontAlgn="auto" latinLnBrk="0" hangingPunct="1">
+                        <a:lnSpc>
+                          <a:spcPct val="100000"/>
+                        </a:lnSpc>
+                        <a:spcBef>
+                          <a:spcPts val="0"/>
+                        </a:spcBef>
+                        <a:spcAft>
+                          <a:spcPts val="0"/>
+                        </a:spcAft>
+                        <a:buClrTx/>
+                        <a:buSzTx/>
+                        <a:buFontTx/>
+                        <a:buNone/>
+                        <a:tabLst/>
+                        <a:defRPr/>
+                      </a:pPr>
+                      <a:r>
+                        <a:rPr kumimoji="1" lang="en-US" altLang="ja-JP" dirty="0">
+                          <a:solidFill>
+                            <a:schemeClr val="tx1"/>
+                          </a:solidFill>
+                        </a:rPr>
+                        <a:t>5225.050</a:t>
+                      </a:r>
+                      <a:endParaRPr kumimoji="1" lang="ja-JP" altLang="en-US">
+                        <a:solidFill>
+                          <a:schemeClr val="tx1"/>
+                        </a:solidFill>
+                      </a:endParaRPr>
+                    </a:p>
+                    <a:p>
                       <a:pPr algn="ctr"/>
-                      <a:r>
-                        <a:rPr kumimoji="1" lang="en-US" altLang="ja-JP" dirty="0"/>
-                        <a:t>3106.633</a:t>
-                      </a:r>
-                      <a:endParaRPr kumimoji="1" lang="ja-JP" altLang="en-US"/>
+                      <a:endParaRPr kumimoji="1" lang="ja-JP" altLang="en-US">
+                        <a:solidFill>
+                          <a:schemeClr val="tx1"/>
+                        </a:solidFill>
+                      </a:endParaRPr>
                     </a:p>
                   </a:txBody>
                   <a:tcPr/>
@@ -19392,14 +17967,60 @@
                       <a:r>
                         <a:rPr kumimoji="1" lang="en-US" altLang="ja-JP" dirty="0">
                           <a:solidFill>
-                            <a:srgbClr val="FF0000"/>
+                            <a:schemeClr val="tx1"/>
                           </a:solidFill>
                         </a:rPr>
-                        <a:t>2956.466</a:t>
+                        <a:t>5104.463</a:t>
                       </a:r>
                       <a:endParaRPr kumimoji="1" lang="ja-JP" altLang="en-US">
                         <a:solidFill>
-                          <a:srgbClr val="FF0000"/>
+                          <a:schemeClr val="tx1"/>
+                        </a:solidFill>
+                      </a:endParaRPr>
+                    </a:p>
+                  </a:txBody>
+                  <a:tcPr/>
+                </a:tc>
+                <a:tc>
+                  <a:txBody>
+                    <a:bodyPr/>
+                    <a:lstStyle/>
+                    <a:p>
+                      <a:pPr algn="ctr"/>
+                      <a:r>
+                        <a:rPr kumimoji="1" lang="en-US" altLang="ja-JP" dirty="0">
+                          <a:solidFill>
+                            <a:schemeClr val="tx1"/>
+                          </a:solidFill>
+                        </a:rPr>
+                        <a:t>5032.362</a:t>
+                      </a:r>
+                      <a:endParaRPr kumimoji="1" lang="ja-JP" altLang="en-US">
+                        <a:solidFill>
+                          <a:schemeClr val="tx1"/>
+                        </a:solidFill>
+                      </a:endParaRPr>
+                    </a:p>
+                  </a:txBody>
+                  <a:tcPr/>
+                </a:tc>
+                <a:tc>
+                  <a:txBody>
+                    <a:bodyPr/>
+                    <a:lstStyle/>
+                    <a:p>
+                      <a:pPr algn="ctr"/>
+                      <a:r>
+                        <a:rPr kumimoji="1" lang="en-US" altLang="ja-JP" dirty="0">
+                          <a:solidFill>
+                            <a:schemeClr val="tx1"/>
+                          </a:solidFill>
+                        </a:rPr>
+                        <a:t>5027.951</a:t>
+                      </a:r>
+                      <a:endParaRPr kumimoji="1" lang="ja-JP" altLang="en-US">
+                        <a:solidFill>
+                          <a:schemeClr val="tx1"/>
                         </a:solidFill>
                       </a:endParaRPr>
                     </a:p>
@@ -19419,35 +18040,9 @@
                     <a:lstStyle/>
                     <a:p>
                       <a:pPr algn="ctr"/>
-                      <a:endParaRPr kumimoji="1" lang="ja-JP" altLang="en-US"/>
-                    </a:p>
-                  </a:txBody>
-                  <a:tcPr/>
-                </a:tc>
-                <a:tc>
-                  <a:txBody>
-                    <a:bodyPr/>
-                    <a:lstStyle/>
-                    <a:p>
-                      <a:pPr algn="ctr"/>
                       <a:r>
                         <a:rPr kumimoji="1" lang="en-US" altLang="ja-JP" dirty="0"/>
-                        <a:t>5</a:t>
-                      </a:r>
-                      <a:endParaRPr kumimoji="1" lang="ja-JP" altLang="en-US"/>
-                    </a:p>
-                  </a:txBody>
-                  <a:tcPr/>
-                </a:tc>
-                <a:tc>
-                  <a:txBody>
-                    <a:bodyPr/>
-                    <a:lstStyle/>
-                    <a:p>
-                      <a:pPr algn="ctr"/>
-                      <a:r>
-                        <a:rPr kumimoji="1" lang="en-US" altLang="ja-JP" dirty="0"/>
-                        <a:t>3171.920</a:t>
+                        <a:t>WBIC</a:t>
                       </a:r>
                       <a:endParaRPr kumimoji="1" lang="ja-JP" altLang="en-US"/>
                     </a:p>
@@ -19463,14 +18058,106 @@
                       <a:r>
                         <a:rPr kumimoji="1" lang="en-US" altLang="ja-JP" dirty="0">
                           <a:solidFill>
-                            <a:srgbClr val="FF0000"/>
+                            <a:schemeClr val="tx1"/>
                           </a:solidFill>
                         </a:rPr>
-                        <a:t>2962.159</a:t>
+                        <a:t>3071.706</a:t>
                       </a:r>
                       <a:endParaRPr kumimoji="1" lang="ja-JP" altLang="en-US">
                         <a:solidFill>
-                          <a:srgbClr val="FF0000"/>
+                          <a:schemeClr val="tx1"/>
+                        </a:solidFill>
+                      </a:endParaRPr>
+                    </a:p>
+                  </a:txBody>
+                  <a:tcPr/>
+                </a:tc>
+                <a:tc>
+                  <a:txBody>
+                    <a:bodyPr/>
+                    <a:lstStyle/>
+                    <a:p>
+                      <a:pPr algn="ctr"/>
+                      <a:r>
+                        <a:rPr kumimoji="1" lang="en-US" altLang="ja-JP" dirty="0">
+                          <a:solidFill>
+                            <a:schemeClr val="tx1"/>
+                          </a:solidFill>
+                        </a:rPr>
+                        <a:t>3038.600</a:t>
+                      </a:r>
+                      <a:endParaRPr kumimoji="1" lang="ja-JP" altLang="en-US">
+                        <a:solidFill>
+                          <a:schemeClr val="tx1"/>
+                        </a:solidFill>
+                      </a:endParaRPr>
+                    </a:p>
+                  </a:txBody>
+                  <a:tcPr/>
+                </a:tc>
+                <a:tc>
+                  <a:txBody>
+                    <a:bodyPr/>
+                    <a:lstStyle/>
+                    <a:p>
+                      <a:pPr algn="ctr"/>
+                      <a:r>
+                        <a:rPr kumimoji="1" lang="en-US" altLang="ja-JP" dirty="0">
+                          <a:solidFill>
+                            <a:schemeClr val="tx1"/>
+                          </a:solidFill>
+                        </a:rPr>
+                        <a:t>3056.349</a:t>
+                      </a:r>
+                      <a:endParaRPr kumimoji="1" lang="ja-JP" altLang="en-US">
+                        <a:solidFill>
+                          <a:schemeClr val="tx1"/>
+                        </a:solidFill>
+                      </a:endParaRPr>
+                    </a:p>
+                  </a:txBody>
+                  <a:tcPr/>
+                </a:tc>
+                <a:tc>
+                  <a:txBody>
+                    <a:bodyPr/>
+                    <a:lstStyle/>
+                    <a:p>
+                      <a:pPr algn="ctr"/>
+                      <a:r>
+                        <a:rPr kumimoji="1" lang="en-US" altLang="ja-JP" dirty="0">
+                          <a:solidFill>
+                            <a:schemeClr val="tx1"/>
+                          </a:solidFill>
+                        </a:rPr>
+                        <a:t>3028.649</a:t>
+                      </a:r>
+                      <a:endParaRPr kumimoji="1" lang="ja-JP" altLang="en-US">
+                        <a:solidFill>
+                          <a:schemeClr val="tx1"/>
+                        </a:solidFill>
+                      </a:endParaRPr>
+                    </a:p>
+                  </a:txBody>
+                  <a:tcPr/>
+                </a:tc>
+                <a:tc>
+                  <a:txBody>
+                    <a:bodyPr/>
+                    <a:lstStyle/>
+                    <a:p>
+                      <a:pPr algn="ctr"/>
+                      <a:r>
+                        <a:rPr kumimoji="1" lang="en-US" altLang="ja-JP" dirty="0">
+                          <a:solidFill>
+                            <a:schemeClr val="tx1"/>
+                          </a:solidFill>
+                        </a:rPr>
+                        <a:t>3033.753</a:t>
+                      </a:r>
+                      <a:endParaRPr kumimoji="1" lang="ja-JP" altLang="en-US">
+                        <a:solidFill>
+                          <a:schemeClr val="tx1"/>
                         </a:solidFill>
                       </a:endParaRPr>
                     </a:p>
@@ -19489,37 +18176,31 @@
                     <a:bodyPr/>
                     <a:lstStyle/>
                     <a:p>
-                      <a:pPr algn="ctr"/>
-                      <a:endParaRPr kumimoji="1" lang="ja-JP" altLang="en-US"/>
-                    </a:p>
-                  </a:txBody>
-                  <a:tcPr/>
-                </a:tc>
-                <a:tc>
-                  <a:txBody>
-                    <a:bodyPr/>
-                    <a:lstStyle/>
-                    <a:p>
-                      <a:pPr algn="ctr"/>
+                      <a:pPr marL="0" marR="0" lvl="0" indent="0" algn="ctr" defTabSz="914400" rtl="0" eaLnBrk="1" fontAlgn="auto" latinLnBrk="0" hangingPunct="1">
+                        <a:lnSpc>
+                          <a:spcPct val="100000"/>
+                        </a:lnSpc>
+                        <a:spcBef>
+                          <a:spcPts val="0"/>
+                        </a:spcBef>
+                        <a:spcAft>
+                          <a:spcPts val="0"/>
+                        </a:spcAft>
+                        <a:buClrTx/>
+                        <a:buSzTx/>
+                        <a:buFontTx/>
+                        <a:buNone/>
+                        <a:tabLst/>
+                        <a:defRPr/>
+                      </a:pPr>
                       <a:r>
                         <a:rPr kumimoji="1" lang="en-US" altLang="ja-JP" dirty="0"/>
-                        <a:t>10</a:t>
+                        <a:t>WAIC</a:t>
                       </a:r>
                       <a:endParaRPr kumimoji="1" lang="ja-JP" altLang="en-US"/>
                     </a:p>
-                  </a:txBody>
-                  <a:tcPr/>
-                </a:tc>
-                <a:tc>
-                  <a:txBody>
-                    <a:bodyPr/>
-                    <a:lstStyle/>
                     <a:p>
                       <a:pPr algn="ctr"/>
-                      <a:r>
-                        <a:rPr kumimoji="1" lang="en-US" altLang="ja-JP" dirty="0"/>
-                        <a:t>3296.762</a:t>
-                      </a:r>
                       <a:endParaRPr kumimoji="1" lang="ja-JP" altLang="en-US"/>
                     </a:p>
                   </a:txBody>
@@ -19534,14 +18215,106 @@
                       <a:r>
                         <a:rPr kumimoji="1" lang="en-US" altLang="ja-JP" dirty="0">
                           <a:solidFill>
-                            <a:srgbClr val="FF0000"/>
+                            <a:schemeClr val="tx1"/>
                           </a:solidFill>
                         </a:rPr>
-                        <a:t>2961.461</a:t>
+                        <a:t>3279.444</a:t>
                       </a:r>
                       <a:endParaRPr kumimoji="1" lang="ja-JP" altLang="en-US">
                         <a:solidFill>
-                          <a:srgbClr val="FF0000"/>
+                          <a:schemeClr val="tx1"/>
+                        </a:solidFill>
+                      </a:endParaRPr>
+                    </a:p>
+                  </a:txBody>
+                  <a:tcPr/>
+                </a:tc>
+                <a:tc>
+                  <a:txBody>
+                    <a:bodyPr/>
+                    <a:lstStyle/>
+                    <a:p>
+                      <a:pPr algn="ctr"/>
+                      <a:r>
+                        <a:rPr kumimoji="1" lang="en-US" altLang="ja-JP" dirty="0">
+                          <a:solidFill>
+                            <a:schemeClr val="tx1"/>
+                          </a:solidFill>
+                        </a:rPr>
+                        <a:t>3190.802</a:t>
+                      </a:r>
+                      <a:endParaRPr kumimoji="1" lang="ja-JP" altLang="en-US">
+                        <a:solidFill>
+                          <a:schemeClr val="tx1"/>
+                        </a:solidFill>
+                      </a:endParaRPr>
+                    </a:p>
+                  </a:txBody>
+                  <a:tcPr/>
+                </a:tc>
+                <a:tc>
+                  <a:txBody>
+                    <a:bodyPr/>
+                    <a:lstStyle/>
+                    <a:p>
+                      <a:pPr algn="ctr"/>
+                      <a:r>
+                        <a:rPr kumimoji="1" lang="en-US" altLang="ja-JP" dirty="0">
+                          <a:solidFill>
+                            <a:schemeClr val="tx1"/>
+                          </a:solidFill>
+                        </a:rPr>
+                        <a:t>3154.331</a:t>
+                      </a:r>
+                      <a:endParaRPr kumimoji="1" lang="ja-JP" altLang="en-US">
+                        <a:solidFill>
+                          <a:schemeClr val="tx1"/>
+                        </a:solidFill>
+                      </a:endParaRPr>
+                    </a:p>
+                  </a:txBody>
+                  <a:tcPr/>
+                </a:tc>
+                <a:tc>
+                  <a:txBody>
+                    <a:bodyPr/>
+                    <a:lstStyle/>
+                    <a:p>
+                      <a:pPr algn="ctr"/>
+                      <a:r>
+                        <a:rPr kumimoji="1" lang="en-US" altLang="ja-JP" dirty="0">
+                          <a:solidFill>
+                            <a:schemeClr val="tx1"/>
+                          </a:solidFill>
+                        </a:rPr>
+                        <a:t>3137.137</a:t>
+                      </a:r>
+                      <a:endParaRPr kumimoji="1" lang="ja-JP" altLang="en-US">
+                        <a:solidFill>
+                          <a:schemeClr val="tx1"/>
+                        </a:solidFill>
+                      </a:endParaRPr>
+                    </a:p>
+                  </a:txBody>
+                  <a:tcPr/>
+                </a:tc>
+                <a:tc>
+                  <a:txBody>
+                    <a:bodyPr/>
+                    <a:lstStyle/>
+                    <a:p>
+                      <a:pPr algn="ctr"/>
+                      <a:r>
+                        <a:rPr kumimoji="1" lang="en-US" altLang="ja-JP" dirty="0">
+                          <a:solidFill>
+                            <a:schemeClr val="tx1"/>
+                          </a:solidFill>
+                        </a:rPr>
+                        <a:t>3134.700</a:t>
+                      </a:r>
+                      <a:endParaRPr kumimoji="1" lang="ja-JP" altLang="en-US">
+                        <a:solidFill>
+                          <a:schemeClr val="tx1"/>
                         </a:solidFill>
                       </a:endParaRPr>
                     </a:p>
@@ -19577,25 +18350,18 @@
                     <a:p>
                       <a:pPr algn="ctr"/>
                       <a:r>
-                        <a:rPr kumimoji="1" lang="en-US" altLang="ja-JP" dirty="0"/>
-                        <a:t>3</a:t>
+                        <a:rPr kumimoji="1" lang="en-US" altLang="ja-JP" dirty="0">
+                          <a:solidFill>
+                            <a:schemeClr val="tx1"/>
+                          </a:solidFill>
+                        </a:rPr>
+                        <a:t>1927.215</a:t>
                       </a:r>
-                      <a:endParaRPr kumimoji="1" lang="ja-JP" altLang="en-US"/>
-                    </a:p>
-                  </a:txBody>
-                  <a:tcPr/>
-                </a:tc>
-                <a:tc>
-                  <a:txBody>
-                    <a:bodyPr/>
-                    <a:lstStyle/>
-                    <a:p>
-                      <a:pPr algn="ctr"/>
-                      <a:r>
-                        <a:rPr kumimoji="1" lang="en-US" altLang="ja-JP" dirty="0"/>
-                        <a:t>1825.648</a:t>
-                      </a:r>
-                      <a:endParaRPr kumimoji="1" lang="ja-JP" altLang="en-US"/>
+                      <a:endParaRPr kumimoji="1" lang="ja-JP" altLang="en-US">
+                        <a:solidFill>
+                          <a:schemeClr val="tx1"/>
+                        </a:solidFill>
+                      </a:endParaRPr>
                     </a:p>
                   </a:txBody>
                   <a:tcPr/>
@@ -19609,64 +18375,16 @@
                       <a:r>
                         <a:rPr kumimoji="1" lang="en-US" altLang="ja-JP" dirty="0">
                           <a:solidFill>
-                            <a:srgbClr val="FF0000"/>
+                            <a:schemeClr val="tx1"/>
                           </a:solidFill>
                         </a:rPr>
-                        <a:t>1808.674</a:t>
+                        <a:t>1863.710</a:t>
                       </a:r>
                       <a:endParaRPr kumimoji="1" lang="ja-JP" altLang="en-US">
                         <a:solidFill>
-                          <a:srgbClr val="FF0000"/>
+                          <a:schemeClr val="tx1"/>
                         </a:solidFill>
                       </a:endParaRPr>
-                    </a:p>
-                  </a:txBody>
-                  <a:tcPr/>
-                </a:tc>
-                <a:extLst>
-                  <a:ext uri="{0D108BD9-81ED-4DB2-BD59-A6C34878D82A}">
-                    <a16:rowId xmlns:a16="http://schemas.microsoft.com/office/drawing/2014/main" val="2242093626"/>
-                  </a:ext>
-                </a:extLst>
-              </a:tr>
-              <a:tr h="370387">
-                <a:tc>
-                  <a:txBody>
-                    <a:bodyPr/>
-                    <a:lstStyle/>
-                    <a:p>
-                      <a:pPr algn="ctr"/>
-                      <a:endParaRPr kumimoji="1" lang="ja-JP" altLang="en-US"/>
-                    </a:p>
-                  </a:txBody>
-                  <a:tcPr/>
-                </a:tc>
-                <a:tc>
-                  <a:txBody>
-                    <a:bodyPr/>
-                    <a:lstStyle/>
-                    <a:p>
-                      <a:pPr algn="ctr"/>
-                      <a:r>
-                        <a:rPr kumimoji="1" lang="en-US" altLang="ja-JP" dirty="0"/>
-                        <a:t>5</a:t>
-                      </a:r>
-                      <a:endParaRPr kumimoji="1" lang="ja-JP" altLang="en-US"/>
-                    </a:p>
-                  </a:txBody>
-                  <a:tcPr/>
-                </a:tc>
-                <a:tc>
-                  <a:txBody>
-                    <a:bodyPr/>
-                    <a:lstStyle/>
-                    <a:p>
-                      <a:pPr algn="ctr"/>
-                      <a:r>
-                        <a:rPr kumimoji="1" lang="en-US" altLang="ja-JP" dirty="0"/>
-                        <a:t>1916.035</a:t>
-                      </a:r>
-                      <a:endParaRPr kumimoji="1" lang="ja-JP" altLang="en-US"/>
                     </a:p>
                   </a:txBody>
                   <a:tcPr/>
@@ -19680,64 +18398,16 @@
                       <a:r>
                         <a:rPr kumimoji="1" lang="en-US" altLang="ja-JP" dirty="0">
                           <a:solidFill>
-                            <a:srgbClr val="FF0000"/>
+                            <a:schemeClr val="tx1"/>
                           </a:solidFill>
                         </a:rPr>
-                        <a:t>1807.423</a:t>
+                        <a:t>1924.210</a:t>
                       </a:r>
                       <a:endParaRPr kumimoji="1" lang="ja-JP" altLang="en-US">
                         <a:solidFill>
-                          <a:srgbClr val="FF0000"/>
+                          <a:schemeClr val="tx1"/>
                         </a:solidFill>
                       </a:endParaRPr>
-                    </a:p>
-                  </a:txBody>
-                  <a:tcPr/>
-                </a:tc>
-                <a:extLst>
-                  <a:ext uri="{0D108BD9-81ED-4DB2-BD59-A6C34878D82A}">
-                    <a16:rowId xmlns:a16="http://schemas.microsoft.com/office/drawing/2014/main" val="56376039"/>
-                  </a:ext>
-                </a:extLst>
-              </a:tr>
-              <a:tr h="370387">
-                <a:tc>
-                  <a:txBody>
-                    <a:bodyPr/>
-                    <a:lstStyle/>
-                    <a:p>
-                      <a:pPr algn="ctr"/>
-                      <a:endParaRPr kumimoji="1" lang="ja-JP" altLang="en-US"/>
-                    </a:p>
-                  </a:txBody>
-                  <a:tcPr/>
-                </a:tc>
-                <a:tc>
-                  <a:txBody>
-                    <a:bodyPr/>
-                    <a:lstStyle/>
-                    <a:p>
-                      <a:pPr algn="ctr"/>
-                      <a:r>
-                        <a:rPr kumimoji="1" lang="en-US" altLang="ja-JP" dirty="0"/>
-                        <a:t>10</a:t>
-                      </a:r>
-                      <a:endParaRPr kumimoji="1" lang="ja-JP" altLang="en-US"/>
-                    </a:p>
-                  </a:txBody>
-                  <a:tcPr/>
-                </a:tc>
-                <a:tc>
-                  <a:txBody>
-                    <a:bodyPr/>
-                    <a:lstStyle/>
-                    <a:p>
-                      <a:pPr algn="ctr"/>
-                      <a:r>
-                        <a:rPr kumimoji="1" lang="en-US" altLang="ja-JP" dirty="0"/>
-                        <a:t>2016.664</a:t>
-                      </a:r>
-                      <a:endParaRPr kumimoji="1" lang="ja-JP" altLang="en-US"/>
                     </a:p>
                   </a:txBody>
                   <a:tcPr/>
@@ -19751,14 +18421,37 @@
                       <a:r>
                         <a:rPr kumimoji="1" lang="en-US" altLang="ja-JP" dirty="0">
                           <a:solidFill>
-                            <a:srgbClr val="FF0000"/>
+                            <a:schemeClr val="tx1"/>
                           </a:solidFill>
                         </a:rPr>
-                        <a:t>1806.655</a:t>
+                        <a:t>1910.699</a:t>
                       </a:r>
                       <a:endParaRPr kumimoji="1" lang="ja-JP" altLang="en-US">
                         <a:solidFill>
-                          <a:srgbClr val="FF0000"/>
+                          <a:schemeClr val="tx1"/>
+                        </a:solidFill>
+                      </a:endParaRPr>
+                    </a:p>
+                  </a:txBody>
+                  <a:tcPr/>
+                </a:tc>
+                <a:tc>
+                  <a:txBody>
+                    <a:bodyPr/>
+                    <a:lstStyle/>
+                    <a:p>
+                      <a:pPr algn="ctr"/>
+                      <a:r>
+                        <a:rPr kumimoji="1" lang="en-US" altLang="ja-JP">
+                          <a:solidFill>
+                            <a:schemeClr val="tx1"/>
+                          </a:solidFill>
+                        </a:rPr>
+                        <a:t>1900.211</a:t>
+                      </a:r>
+                      <a:endParaRPr kumimoji="1" lang="ja-JP" altLang="en-US">
+                        <a:solidFill>
+                          <a:schemeClr val="tx1"/>
                         </a:solidFill>
                       </a:endParaRPr>
                     </a:p>
@@ -19767,7 +18460,7 @@
                 </a:tc>
                 <a:extLst>
                   <a:ext uri="{0D108BD9-81ED-4DB2-BD59-A6C34878D82A}">
-                    <a16:rowId xmlns:a16="http://schemas.microsoft.com/office/drawing/2014/main" val="1494997708"/>
+                    <a16:rowId xmlns:a16="http://schemas.microsoft.com/office/drawing/2014/main" val="2242093626"/>
                   </a:ext>
                 </a:extLst>
               </a:tr>
@@ -19989,166 +18682,45 @@
           </a:p>
         </p:txBody>
       </p:sp>
-      <mc:AlternateContent xmlns:mc="http://schemas.openxmlformats.org/markup-compatibility/2006" xmlns:a14="http://schemas.microsoft.com/office/drawing/2010/main">
-        <mc:Choice Requires="a14">
-          <p:sp>
-            <p:nvSpPr>
-              <p:cNvPr id="3" name="コンテンツ プレースホルダー 2">
-                <a:extLst>
-                  <a:ext uri="{FF2B5EF4-FFF2-40B4-BE49-F238E27FC236}">
-                    <a16:creationId xmlns:a16="http://schemas.microsoft.com/office/drawing/2014/main" id="{26B88719-E8DE-204A-ADF6-300352A4D861}"/>
-                  </a:ext>
-                </a:extLst>
-              </p:cNvPr>
-              <p:cNvSpPr>
-                <a:spLocks noGrp="1"/>
-              </p:cNvSpPr>
-              <p:nvPr>
-                <p:ph idx="1"/>
-              </p:nvPr>
-            </p:nvSpPr>
-            <p:spPr/>
-            <p:txBody>
-              <a:bodyPr>
-                <a:normAutofit/>
-              </a:bodyPr>
-              <a:lstStyle/>
-              <a:p>
-                <a:r>
-                  <a:rPr lang="ja-JP" altLang="en-US"/>
-                  <a:t>より大規模なデータを収集して，提案モデルの性能を評価する．</a:t>
-                </a:r>
-              </a:p>
-              <a:p>
-                <a:endParaRPr lang="en-US" altLang="ja-JP" dirty="0"/>
-              </a:p>
-              <a:p>
-                <a:r>
-                  <a:rPr lang="ja-JP" altLang="en-US"/>
-                  <a:t>既存モデルと比べて提案モデルで採用した</a:t>
-                </a:r>
-                <a14:m>
-                  <m:oMath xmlns:m="http://schemas.openxmlformats.org/officeDocument/2006/math">
-                    <m:sSub>
-                      <m:sSubPr>
-                        <m:ctrlPr>
-                          <a:rPr lang="en-US" altLang="ja-JP" b="0" i="1" smtClean="0">
-                            <a:latin typeface="Cambria Math" panose="02040503050406030204" pitchFamily="18" charset="0"/>
-                          </a:rPr>
-                        </m:ctrlPr>
-                      </m:sSubPr>
-                      <m:e>
-                        <m:r>
-                          <a:rPr lang="ja-JP" altLang="en-US" i="1" smtClean="0">
-                            <a:latin typeface="Cambria Math" panose="02040503050406030204" pitchFamily="18" charset="0"/>
-                          </a:rPr>
-                          <m:t>𝛼</m:t>
-                        </m:r>
-                      </m:e>
-                      <m:sub>
-                        <m:r>
-                          <a:rPr lang="en-US" altLang="ja-JP" b="0" i="1" smtClean="0">
-                            <a:latin typeface="Cambria Math" panose="02040503050406030204" pitchFamily="18" charset="0"/>
-                          </a:rPr>
-                          <m:t>𝑟</m:t>
-                        </m:r>
-                      </m:sub>
-                    </m:sSub>
-                  </m:oMath>
-                </a14:m>
-                <a:r>
-                  <a:rPr lang="ja-JP" altLang="en-US"/>
-                  <a:t>や</a:t>
-                </a:r>
-                <a14:m>
-                  <m:oMath xmlns:m="http://schemas.openxmlformats.org/officeDocument/2006/math">
-                    <m:sSub>
-                      <m:sSubPr>
-                        <m:ctrlPr>
-                          <a:rPr lang="en-US" altLang="ja-JP" b="0" i="1" smtClean="0">
-                            <a:latin typeface="Cambria Math" panose="02040503050406030204" pitchFamily="18" charset="0"/>
-                          </a:rPr>
-                        </m:ctrlPr>
-                      </m:sSubPr>
-                      <m:e>
-                        <m:r>
-                          <a:rPr lang="en-US" altLang="ja-JP" b="0" i="1" smtClean="0">
-                            <a:latin typeface="Cambria Math" panose="02040503050406030204" pitchFamily="18" charset="0"/>
-                          </a:rPr>
-                          <m:t>𝑑</m:t>
-                        </m:r>
-                      </m:e>
-                      <m:sub>
-                        <m:r>
-                          <a:rPr lang="en-US" altLang="ja-JP" b="0" i="1" smtClean="0">
-                            <a:latin typeface="Cambria Math" panose="02040503050406030204" pitchFamily="18" charset="0"/>
-                          </a:rPr>
-                          <m:t>𝑟𝑘</m:t>
-                        </m:r>
-                      </m:sub>
-                    </m:sSub>
-                  </m:oMath>
-                </a14:m>
-                <a:r>
-                  <a:rPr lang="ja-JP" altLang="en-US"/>
-                  <a:t>の影響について分析を行う．</a:t>
-                </a:r>
-              </a:p>
-              <a:p>
-                <a:endParaRPr lang="en-US" altLang="ja-JP" dirty="0"/>
-              </a:p>
-              <a:p>
-                <a:r>
-                  <a:rPr lang="ja-JP" altLang="en-US"/>
-                  <a:t>課題の特性も考慮できるように拡張を行う．</a:t>
-                </a:r>
-              </a:p>
-              <a:p>
-                <a:endParaRPr lang="ja-JP" altLang="en-US"/>
-              </a:p>
-            </p:txBody>
-          </p:sp>
-        </mc:Choice>
-        <mc:Fallback xmlns="">
-          <p:sp>
-            <p:nvSpPr>
-              <p:cNvPr id="3" name="コンテンツ プレースホルダー 2">
-                <a:extLst>
-                  <a:ext uri="{FF2B5EF4-FFF2-40B4-BE49-F238E27FC236}">
-                    <a16:creationId xmlns:a16="http://schemas.microsoft.com/office/drawing/2014/main" id="{26B88719-E8DE-204A-ADF6-300352A4D861}"/>
-                  </a:ext>
-                </a:extLst>
-              </p:cNvPr>
-              <p:cNvSpPr>
-                <a:spLocks noGrp="1" noRot="1" noChangeAspect="1" noMove="1" noResize="1" noEditPoints="1" noAdjustHandles="1" noChangeArrowheads="1" noChangeShapeType="1" noTextEdit="1"/>
-              </p:cNvSpPr>
-              <p:nvPr>
-                <p:ph idx="1"/>
-              </p:nvPr>
-            </p:nvSpPr>
-            <p:spPr>
-              <a:blipFill>
-                <a:blip r:embed="rId3"/>
-                <a:stretch>
-                  <a:fillRect l="-1086" t="-2326" r="-3136"/>
-                </a:stretch>
-              </a:blipFill>
-            </p:spPr>
-            <p:txBody>
-              <a:bodyPr/>
-              <a:lstStyle/>
-              <a:p>
-                <a:r>
-                  <a:rPr lang="ja-JP" altLang="en-US">
-                    <a:noFill/>
-                  </a:rPr>
-                  <a:t> </a:t>
-                </a:r>
-              </a:p>
-            </p:txBody>
-          </p:sp>
-        </mc:Fallback>
-      </mc:AlternateContent>
+      <p:sp>
+        <p:nvSpPr>
+          <p:cNvPr id="3" name="コンテンツ プレースホルダー 2">
+            <a:extLst>
+              <a:ext uri="{FF2B5EF4-FFF2-40B4-BE49-F238E27FC236}">
+                <a16:creationId xmlns:a16="http://schemas.microsoft.com/office/drawing/2014/main" id="{26B88719-E8DE-204A-ADF6-300352A4D861}"/>
+              </a:ext>
+            </a:extLst>
+          </p:cNvPr>
+          <p:cNvSpPr>
+            <a:spLocks noGrp="1"/>
+          </p:cNvSpPr>
+          <p:nvPr>
+            <p:ph idx="1"/>
+          </p:nvPr>
+        </p:nvSpPr>
+        <p:spPr/>
+        <p:txBody>
+          <a:bodyPr>
+            <a:normAutofit/>
+          </a:bodyPr>
+          <a:lstStyle/>
+          <a:p>
+            <a:pPr marL="0" indent="0">
+              <a:buNone/>
+            </a:pPr>
+            <a:endParaRPr lang="en-US" altLang="ja-JP" dirty="0"/>
+          </a:p>
+          <a:p>
+            <a:r>
+              <a:rPr lang="ja-JP" altLang="en-US"/>
+              <a:t>課題の特性も考慮できるように拡張を行う．</a:t>
+            </a:r>
+          </a:p>
+          <a:p>
+            <a:endParaRPr lang="ja-JP" altLang="en-US"/>
+          </a:p>
+        </p:txBody>
+      </p:sp>
     </p:spTree>
     <p:extLst>
       <p:ext uri="{BB962C8B-B14F-4D97-AF65-F5344CB8AC3E}">
@@ -21110,8 +19682,8 @@
           </p:sp>
         </mc:Fallback>
       </mc:AlternateContent>
-      <mc:AlternateContent xmlns:mc="http://schemas.openxmlformats.org/markup-compatibility/2006">
-        <mc:Choice xmlns:a14="http://schemas.microsoft.com/office/drawing/2010/main" Requires="a14">
+      <mc:AlternateContent xmlns:mc="http://schemas.openxmlformats.org/markup-compatibility/2006" xmlns:a14="http://schemas.microsoft.com/office/drawing/2010/main">
+        <mc:Choice Requires="a14">
           <p:sp>
             <p:nvSpPr>
               <p:cNvPr id="3" name="コンテンツ プレースホルダー 2">
@@ -21417,7 +19989,7 @@
             </p:txBody>
           </p:sp>
         </mc:Choice>
-        <mc:Fallback>
+        <mc:Fallback xmlns="">
           <p:sp>
             <p:nvSpPr>
               <p:cNvPr id="3" name="コンテンツ プレースホルダー 2">
@@ -21844,8 +20416,8 @@
           </a:p>
         </p:txBody>
       </p:sp>
-      <mc:AlternateContent xmlns:mc="http://schemas.openxmlformats.org/markup-compatibility/2006">
-        <mc:Choice xmlns:a14="http://schemas.microsoft.com/office/drawing/2010/main" Requires="a14">
+      <mc:AlternateContent xmlns:mc="http://schemas.openxmlformats.org/markup-compatibility/2006" xmlns:a14="http://schemas.microsoft.com/office/drawing/2010/main">
+        <mc:Choice Requires="a14">
           <p:sp>
             <p:nvSpPr>
               <p:cNvPr id="3" name="コンテンツ プレースホルダー 2">
@@ -22057,7 +20629,7 @@
                   <m:oMath xmlns:m="http://schemas.openxmlformats.org/officeDocument/2006/math">
                     <m:r>
                       <a:rPr kumimoji="1" lang="en-US" altLang="ja-JP" b="0" i="1" smtClean="0">
-                        <a:latin typeface="+mj-ea"/>
+                        <a:latin typeface="Cambria Math" panose="02040503050406030204" pitchFamily="18" charset="0"/>
                         <a:ea typeface="+mj-ea"/>
                       </a:rPr>
                       <m:t>×</m:t>
@@ -22134,7 +20706,7 @@
                   <m:oMath xmlns:m="http://schemas.openxmlformats.org/officeDocument/2006/math">
                     <m:r>
                       <a:rPr kumimoji="1" lang="en-US" altLang="ja-JP" i="1" dirty="0" smtClean="0">
-                        <a:latin typeface="+mj-ea"/>
+                        <a:latin typeface="Cambria Math" panose="02040503050406030204" pitchFamily="18" charset="0"/>
                         <a:ea typeface="+mj-ea"/>
                       </a:rPr>
                       <m:t>×</m:t>
@@ -22156,7 +20728,7 @@
             </p:txBody>
           </p:sp>
         </mc:Choice>
-        <mc:Fallback>
+        <mc:Fallback xmlns="">
           <p:sp>
             <p:nvSpPr>
               <p:cNvPr id="3" name="コンテンツ プレースホルダー 2">
@@ -22196,8 +20768,8 @@
           </p:sp>
         </mc:Fallback>
       </mc:AlternateContent>
-      <mc:AlternateContent xmlns:mc="http://schemas.openxmlformats.org/markup-compatibility/2006">
-        <mc:Choice xmlns:a14="http://schemas.microsoft.com/office/drawing/2010/main" Requires="a14">
+      <mc:AlternateContent xmlns:mc="http://schemas.openxmlformats.org/markup-compatibility/2006" xmlns:a14="http://schemas.microsoft.com/office/drawing/2010/main">
+        <mc:Choice Requires="a14">
           <p:sp>
             <p:nvSpPr>
               <p:cNvPr id="4" name="テキスト ボックス 3">
@@ -22360,7 +20932,7 @@
             </p:txBody>
           </p:sp>
         </mc:Choice>
-        <mc:Fallback>
+        <mc:Fallback xmlns="">
           <p:sp>
             <p:nvSpPr>
               <p:cNvPr id="4" name="テキスト ボックス 3">
@@ -25679,43 +24251,13 @@
                                   </m:r>
                                 </m:sub>
                               </m:sSub>
-                              <m:sSub>
-                                <m:sSubPr>
-                                  <m:ctrlPr>
-                                    <a:rPr lang="en-US" altLang="ja-JP" i="1" smtClean="0">
-                                      <a:solidFill>
-                                        <a:srgbClr val="FF0000"/>
-                                      </a:solidFill>
-                                      <a:latin typeface="Cambria Math" panose="02040503050406030204" pitchFamily="18" charset="0"/>
-                                      <a:ea typeface="Cambria Math" panose="02040503050406030204" pitchFamily="18" charset="0"/>
-                                    </a:rPr>
-                                  </m:ctrlPr>
-                                </m:sSubPr>
-                                <m:e>
-                                  <m:r>
-                                    <a:rPr lang="en-US" altLang="ja-JP" i="1">
-                                      <a:solidFill>
-                                        <a:srgbClr val="FF0000"/>
-                                      </a:solidFill>
-                                      <a:latin typeface="Cambria Math" panose="02040503050406030204" pitchFamily="18" charset="0"/>
-                                      <a:ea typeface="Cambria Math" panose="02040503050406030204" pitchFamily="18" charset="0"/>
-                                    </a:rPr>
-                                    <m:t>𝛽</m:t>
-                                  </m:r>
-                                </m:e>
-                                <m:sub>
-                                  <m:r>
-                                    <a:rPr lang="en-US" altLang="ja-JP" i="1">
-                                      <a:solidFill>
-                                        <a:srgbClr val="FF0000"/>
-                                      </a:solidFill>
-                                      <a:latin typeface="Cambria Math" panose="02040503050406030204" pitchFamily="18" charset="0"/>
-                                      <a:ea typeface="Cambria Math" panose="02040503050406030204" pitchFamily="18" charset="0"/>
-                                    </a:rPr>
-                                    <m:t>𝑟𝑡</m:t>
-                                  </m:r>
-                                </m:sub>
-                              </m:sSub>
+                              <m:r>
+                                <a:rPr lang="en-US" altLang="ja-JP" b="0" i="1" smtClean="0">
+                                  <a:latin typeface="Cambria Math" panose="02040503050406030204" pitchFamily="18" charset="0"/>
+                                  <a:ea typeface="Cambria Math" panose="02040503050406030204" pitchFamily="18" charset="0"/>
+                                </a:rPr>
+                                <m:t>𝑡</m:t>
+                              </m:r>
                               <m:r>
                                 <a:rPr lang="en-US" altLang="ja-JP" i="1">
                                   <a:latin typeface="Cambria Math" panose="02040503050406030204" pitchFamily="18" charset="0"/>
@@ -25950,43 +24492,13 @@
                                       </m:r>
                                     </m:sub>
                                   </m:sSub>
-                                  <m:sSub>
-                                    <m:sSubPr>
-                                      <m:ctrlPr>
-                                        <a:rPr lang="en-US" altLang="ja-JP" i="1" smtClean="0">
-                                          <a:solidFill>
-                                            <a:srgbClr val="FF0000"/>
-                                          </a:solidFill>
-                                          <a:latin typeface="Cambria Math" panose="02040503050406030204" pitchFamily="18" charset="0"/>
-                                          <a:ea typeface="Cambria Math" panose="02040503050406030204" pitchFamily="18" charset="0"/>
-                                        </a:rPr>
-                                      </m:ctrlPr>
-                                    </m:sSubPr>
-                                    <m:e>
-                                      <m:r>
-                                        <a:rPr lang="en-US" altLang="ja-JP" i="1">
-                                          <a:solidFill>
-                                            <a:srgbClr val="FF0000"/>
-                                          </a:solidFill>
-                                          <a:latin typeface="Cambria Math" panose="02040503050406030204" pitchFamily="18" charset="0"/>
-                                          <a:ea typeface="Cambria Math" panose="02040503050406030204" pitchFamily="18" charset="0"/>
-                                        </a:rPr>
-                                        <m:t>𝛽</m:t>
-                                      </m:r>
-                                    </m:e>
-                                    <m:sub>
-                                      <m:r>
-                                        <a:rPr lang="en-US" altLang="ja-JP" i="1">
-                                          <a:solidFill>
-                                            <a:srgbClr val="FF0000"/>
-                                          </a:solidFill>
-                                          <a:latin typeface="Cambria Math" panose="02040503050406030204" pitchFamily="18" charset="0"/>
-                                          <a:ea typeface="Cambria Math" panose="02040503050406030204" pitchFamily="18" charset="0"/>
-                                        </a:rPr>
-                                        <m:t>𝑟𝑡</m:t>
-                                      </m:r>
-                                    </m:sub>
-                                  </m:sSub>
+                                  <m:r>
+                                    <a:rPr lang="en-US" altLang="ja-JP" b="0" i="1" smtClean="0">
+                                      <a:latin typeface="Cambria Math" panose="02040503050406030204" pitchFamily="18" charset="0"/>
+                                      <a:ea typeface="Cambria Math" panose="02040503050406030204" pitchFamily="18" charset="0"/>
+                                    </a:rPr>
+                                    <m:t>𝑡</m:t>
+                                  </m:r>
                                   <m:r>
                                     <a:rPr lang="en-US" altLang="ja-JP" i="1">
                                       <a:latin typeface="Cambria Math" panose="02040503050406030204" pitchFamily="18" charset="0"/>
@@ -26097,8 +24609,8 @@
         </p:nvGrpSpPr>
         <p:grpSpPr>
           <a:xfrm>
-            <a:off x="3923607" y="2677244"/>
-            <a:ext cx="6907877" cy="999114"/>
+            <a:off x="4960670" y="2609301"/>
+            <a:ext cx="4071817" cy="999114"/>
             <a:chOff x="4621876" y="2357641"/>
             <a:chExt cx="4854633" cy="999114"/>
           </a:xfrm>
@@ -26233,8 +24745,8 @@
           </p:nvSpPr>
           <p:spPr>
             <a:xfrm>
-              <a:off x="4754881" y="2909153"/>
-              <a:ext cx="1180408" cy="357447"/>
+              <a:off x="4754881" y="2855084"/>
+              <a:ext cx="2111363" cy="357447"/>
             </a:xfrm>
             <a:prstGeom prst="rect">
               <a:avLst/>
@@ -26283,8 +24795,8 @@
           </p:nvSpPr>
           <p:spPr>
             <a:xfrm>
-              <a:off x="6068292" y="2916180"/>
-              <a:ext cx="1180408" cy="357447"/>
+              <a:off x="7211916" y="2882484"/>
+              <a:ext cx="2065167" cy="357447"/>
             </a:xfrm>
             <a:prstGeom prst="rect">
               <a:avLst/>
@@ -26319,121 +24831,6 @@
             </a:p>
           </p:txBody>
         </p:sp>
-        <mc:AlternateContent xmlns:mc="http://schemas.openxmlformats.org/markup-compatibility/2006" xmlns:a14="http://schemas.microsoft.com/office/drawing/2010/main">
-          <mc:Choice Requires="a14">
-            <p:sp>
-              <p:nvSpPr>
-                <p:cNvPr id="12" name="正方形/長方形 11">
-                  <a:extLst>
-                    <a:ext uri="{FF2B5EF4-FFF2-40B4-BE49-F238E27FC236}">
-                      <a16:creationId xmlns:a16="http://schemas.microsoft.com/office/drawing/2014/main" id="{A29681A1-9553-4748-B3F4-E092EB4E99F7}"/>
-                    </a:ext>
-                  </a:extLst>
-                </p:cNvPr>
-                <p:cNvSpPr/>
-                <p:nvPr/>
-              </p:nvSpPr>
-              <p:spPr>
-                <a:xfrm>
-                  <a:off x="7381703" y="2916180"/>
-                  <a:ext cx="1961803" cy="357447"/>
-                </a:xfrm>
-                <a:prstGeom prst="rect">
-                  <a:avLst/>
-                </a:prstGeom>
-              </p:spPr>
-              <p:style>
-                <a:lnRef idx="2">
-                  <a:schemeClr val="accent1">
-                    <a:shade val="50000"/>
-                  </a:schemeClr>
-                </a:lnRef>
-                <a:fillRef idx="1">
-                  <a:schemeClr val="accent1"/>
-                </a:fillRef>
-                <a:effectRef idx="0">
-                  <a:schemeClr val="accent1"/>
-                </a:effectRef>
-                <a:fontRef idx="minor">
-                  <a:schemeClr val="lt1"/>
-                </a:fontRef>
-              </p:style>
-              <p:txBody>
-                <a:bodyPr rtlCol="0" anchor="ctr"/>
-                <a:lstStyle/>
-                <a:p>
-                  <a:pPr algn="ctr"/>
-                  <a:r>
-                    <a:rPr kumimoji="1" lang="ja-JP" altLang="en-US" u="sng"/>
-                    <a:t>時間区分</a:t>
-                  </a:r>
-                  <a14:m>
-                    <m:oMath xmlns:m="http://schemas.openxmlformats.org/officeDocument/2006/math">
-                      <m:r>
-                        <a:rPr kumimoji="1" lang="en-US" altLang="ja-JP" b="0" i="1" u="sng" smtClean="0">
-                          <a:latin typeface="Cambria Math" panose="02040503050406030204" pitchFamily="18" charset="0"/>
-                        </a:rPr>
-                        <m:t>𝑡</m:t>
-                      </m:r>
-                    </m:oMath>
-                  </a14:m>
-                  <a:r>
-                    <a:rPr kumimoji="1" lang="ja-JP" altLang="en-US" u="sng"/>
-                    <a:t>の時</a:t>
-                  </a:r>
-                  <a:r>
-                    <a:rPr kumimoji="1" lang="ja-JP" altLang="en-US"/>
-                    <a:t>の厳しさ</a:t>
-                  </a:r>
-                </a:p>
-              </p:txBody>
-            </p:sp>
-          </mc:Choice>
-          <mc:Fallback xmlns="">
-            <p:sp>
-              <p:nvSpPr>
-                <p:cNvPr id="12" name="正方形/長方形 11">
-                  <a:extLst>
-                    <a:ext uri="{FF2B5EF4-FFF2-40B4-BE49-F238E27FC236}">
-                      <a16:creationId xmlns:a16="http://schemas.microsoft.com/office/drawing/2014/main" id="{A29681A1-9553-4748-B3F4-E092EB4E99F7}"/>
-                    </a:ext>
-                  </a:extLst>
-                </p:cNvPr>
-                <p:cNvSpPr>
-                  <a:spLocks noRot="1" noChangeAspect="1" noMove="1" noResize="1" noEditPoints="1" noAdjustHandles="1" noChangeArrowheads="1" noChangeShapeType="1" noTextEdit="1"/>
-                </p:cNvSpPr>
-                <p:nvPr/>
-              </p:nvSpPr>
-              <p:spPr>
-                <a:xfrm>
-                  <a:off x="7381703" y="2916180"/>
-                  <a:ext cx="1961803" cy="357447"/>
-                </a:xfrm>
-                <a:prstGeom prst="rect">
-                  <a:avLst/>
-                </a:prstGeom>
-                <a:blipFill>
-                  <a:blip r:embed="rId5"/>
-                  <a:stretch>
-                    <a:fillRect t="-6667" b="-26667"/>
-                  </a:stretch>
-                </a:blipFill>
-              </p:spPr>
-              <p:txBody>
-                <a:bodyPr/>
-                <a:lstStyle/>
-                <a:p>
-                  <a:r>
-                    <a:rPr lang="ja-JP" altLang="en-US">
-                      <a:noFill/>
-                    </a:rPr>
-                    <a:t> </a:t>
-                  </a:r>
-                </a:p>
-              </p:txBody>
-            </p:sp>
-          </mc:Fallback>
-        </mc:AlternateContent>
       </p:grpSp>
       <p:cxnSp>
         <p:nvCxnSpPr>
@@ -26452,8 +24849,8 @@
         </p:nvCxnSpPr>
         <p:spPr>
           <a:xfrm>
-            <a:off x="4952694" y="3586203"/>
-            <a:ext cx="1601981" cy="440082"/>
+            <a:off x="5957680" y="3464191"/>
+            <a:ext cx="788808" cy="537103"/>
           </a:xfrm>
           <a:prstGeom prst="line">
             <a:avLst/>
@@ -26491,48 +24888,9 @@
           <p:nvPr/>
         </p:nvCxnSpPr>
         <p:spPr>
-          <a:xfrm>
-            <a:off x="6821606" y="3593230"/>
-            <a:ext cx="500713" cy="433055"/>
-          </a:xfrm>
-          <a:prstGeom prst="line">
-            <a:avLst/>
-          </a:prstGeom>
-          <a:ln w="28575"/>
-        </p:spPr>
-        <p:style>
-          <a:lnRef idx="1">
-            <a:schemeClr val="accent1"/>
-          </a:lnRef>
-          <a:fillRef idx="0">
-            <a:schemeClr val="accent1"/>
-          </a:fillRef>
-          <a:effectRef idx="0">
-            <a:schemeClr val="accent1"/>
-          </a:effectRef>
-          <a:fontRef idx="minor">
-            <a:schemeClr val="tx1"/>
-          </a:fontRef>
-        </p:style>
-      </p:cxnSp>
-      <p:cxnSp>
-        <p:nvCxnSpPr>
-          <p:cNvPr id="19" name="直線コネクタ 18">
-            <a:extLst>
-              <a:ext uri="{FF2B5EF4-FFF2-40B4-BE49-F238E27FC236}">
-                <a16:creationId xmlns:a16="http://schemas.microsoft.com/office/drawing/2014/main" id="{E09ACA11-8EA1-D445-946D-B2CC5AC9EE32}"/>
-              </a:ext>
-            </a:extLst>
-          </p:cNvPr>
-          <p:cNvCxnSpPr>
-            <a:cxnSpLocks/>
-          </p:cNvCxnSpPr>
-          <p:nvPr/>
-        </p:nvCxnSpPr>
-        <p:spPr>
           <a:xfrm flipH="1">
-            <a:off x="8003177" y="3593230"/>
-            <a:ext cx="1182388" cy="433055"/>
+            <a:off x="7591739" y="3491591"/>
+            <a:ext cx="407402" cy="603220"/>
           </a:xfrm>
           <a:prstGeom prst="line">
             <a:avLst/>
@@ -27459,8 +25817,8 @@
           </p:txBody>
         </p:sp>
       </p:grpSp>
-      <mc:AlternateContent xmlns:mc="http://schemas.openxmlformats.org/markup-compatibility/2006">
-        <mc:Choice xmlns:a14="http://schemas.microsoft.com/office/drawing/2010/main" Requires="a14">
+      <mc:AlternateContent xmlns:mc="http://schemas.openxmlformats.org/markup-compatibility/2006" xmlns:a14="http://schemas.microsoft.com/office/drawing/2010/main">
+        <mc:Choice Requires="a14">
           <p:sp>
             <p:nvSpPr>
               <p:cNvPr id="4" name="テキスト ボックス 3">
@@ -27664,7 +26022,7 @@
             </p:txBody>
           </p:sp>
         </mc:Choice>
-        <mc:Fallback>
+        <mc:Fallback xmlns="">
           <p:sp>
             <p:nvSpPr>
               <p:cNvPr id="4" name="テキスト ボックス 3">
@@ -27932,7 +26290,7 @@
           <a:p>
             <a:r>
               <a:rPr lang="ja-JP" altLang="en-US"/>
-              <a:t>各時間区分ごとのパラメータが独立しているため，パラメータの推定が難しい．</a:t>
+              <a:t>評価者特性の変化を直線的にしか捉えることができない</a:t>
             </a:r>
             <a:endParaRPr lang="en-US" altLang="ja-JP" dirty="0"/>
           </a:p>
@@ -27948,19 +26306,8 @@
           <a:p>
             <a:r>
               <a:rPr lang="ja-JP" altLang="en-US"/>
-              <a:t>時間区分ごとの評価者の厳しさパラメータに</a:t>
-            </a:r>
-            <a:r>
-              <a:rPr lang="ja-JP" altLang="en-US" u="sng"/>
-              <a:t>マルコフ性</a:t>
-            </a:r>
-            <a:r>
-              <a:rPr lang="ja-JP" altLang="en-US"/>
-              <a:t>を仮定した新しい項目反応モデルを提案する．</a:t>
-            </a:r>
-          </a:p>
-          <a:p>
-            <a:endParaRPr lang="ja-JP" altLang="en-US"/>
+              <a:t>時間区分ごとの評価者の厳しさを推定できる新しい項目反応モデルを提案する</a:t>
+            </a:r>
           </a:p>
           <a:p>
             <a:pPr marL="0" indent="0">
@@ -27984,7 +26331,7 @@
         </p:nvSpPr>
         <p:spPr>
           <a:xfrm>
-            <a:off x="5472545" y="3029989"/>
+            <a:off x="5472545" y="2630978"/>
             <a:ext cx="1246909" cy="798022"/>
           </a:xfrm>
           <a:prstGeom prst="downArrow">
@@ -28022,101 +26369,6 @@
           </a:p>
         </p:txBody>
       </p:sp>
-      <p:sp>
-        <p:nvSpPr>
-          <p:cNvPr id="5" name="正方形/長方形 4">
-            <a:extLst>
-              <a:ext uri="{FF2B5EF4-FFF2-40B4-BE49-F238E27FC236}">
-                <a16:creationId xmlns:a16="http://schemas.microsoft.com/office/drawing/2014/main" id="{ADAB29F6-9D8A-1146-8E33-31B21B8019B5}"/>
-              </a:ext>
-            </a:extLst>
-          </p:cNvPr>
-          <p:cNvSpPr/>
-          <p:nvPr/>
-        </p:nvSpPr>
-        <p:spPr>
-          <a:xfrm>
-            <a:off x="7894622" y="5024673"/>
-            <a:ext cx="2915216" cy="742385"/>
-          </a:xfrm>
-          <a:prstGeom prst="rect">
-            <a:avLst/>
-          </a:prstGeom>
-        </p:spPr>
-        <p:style>
-          <a:lnRef idx="2">
-            <a:schemeClr val="accent1"/>
-          </a:lnRef>
-          <a:fillRef idx="1">
-            <a:schemeClr val="lt1"/>
-          </a:fillRef>
-          <a:effectRef idx="0">
-            <a:schemeClr val="accent1"/>
-          </a:effectRef>
-          <a:fontRef idx="minor">
-            <a:schemeClr val="dk1"/>
-          </a:fontRef>
-        </p:style>
-        <p:txBody>
-          <a:bodyPr rtlCol="0" anchor="ctr"/>
-          <a:lstStyle/>
-          <a:p>
-            <a:pPr algn="ctr"/>
-            <a:r>
-              <a:rPr kumimoji="1" lang="ja-JP" altLang="en-US"/>
-              <a:t>現在の値によって</a:t>
-            </a:r>
-            <a:endParaRPr kumimoji="1" lang="en-US" altLang="ja-JP" dirty="0"/>
-          </a:p>
-          <a:p>
-            <a:pPr algn="ctr"/>
-            <a:r>
-              <a:rPr kumimoji="1" lang="ja-JP" altLang="en-US"/>
-              <a:t>次の値が決まる性質</a:t>
-            </a:r>
-          </a:p>
-        </p:txBody>
-      </p:sp>
-      <p:cxnSp>
-        <p:nvCxnSpPr>
-          <p:cNvPr id="7" name="直線コネクタ 6">
-            <a:extLst>
-              <a:ext uri="{FF2B5EF4-FFF2-40B4-BE49-F238E27FC236}">
-                <a16:creationId xmlns:a16="http://schemas.microsoft.com/office/drawing/2014/main" id="{F73377C7-AAA7-6241-92C0-F9E6BD80C60D}"/>
-              </a:ext>
-            </a:extLst>
-          </p:cNvPr>
-          <p:cNvCxnSpPr>
-            <a:cxnSpLocks/>
-            <a:endCxn id="5" idx="0"/>
-          </p:cNvCxnSpPr>
-          <p:nvPr/>
-        </p:nvCxnSpPr>
-        <p:spPr>
-          <a:xfrm>
-            <a:off x="9098733" y="4626321"/>
-            <a:ext cx="253497" cy="398352"/>
-          </a:xfrm>
-          <a:prstGeom prst="line">
-            <a:avLst/>
-          </a:prstGeom>
-          <a:ln w="12700"/>
-        </p:spPr>
-        <p:style>
-          <a:lnRef idx="1">
-            <a:schemeClr val="accent1"/>
-          </a:lnRef>
-          <a:fillRef idx="0">
-            <a:schemeClr val="accent1"/>
-          </a:fillRef>
-          <a:effectRef idx="0">
-            <a:schemeClr val="accent1"/>
-          </a:effectRef>
-          <a:fontRef idx="minor">
-            <a:schemeClr val="tx1"/>
-          </a:fontRef>
-        </p:style>
-      </p:cxnSp>
     </p:spTree>
     <p:extLst>
       <p:ext uri="{BB962C8B-B14F-4D97-AF65-F5344CB8AC3E}">
@@ -28175,8 +26427,8 @@
           </a:p>
         </p:txBody>
       </p:sp>
-      <mc:AlternateContent xmlns:mc="http://schemas.openxmlformats.org/markup-compatibility/2006">
-        <mc:Choice xmlns:a14="http://schemas.microsoft.com/office/drawing/2010/main" Requires="a14">
+      <mc:AlternateContent xmlns:mc="http://schemas.openxmlformats.org/markup-compatibility/2006" xmlns:a14="http://schemas.microsoft.com/office/drawing/2010/main">
+        <mc:Choice Requires="a14">
           <p:sp>
             <p:nvSpPr>
               <p:cNvPr id="3" name="コンテンツ プレースホルダー 2">
@@ -28713,7 +26965,7 @@
             </p:txBody>
           </p:sp>
         </mc:Choice>
-        <mc:Fallback>
+        <mc:Fallback xmlns="">
           <p:sp>
             <p:nvSpPr>
               <p:cNvPr id="3" name="コンテンツ プレースホルダー 2">
@@ -29394,8 +27646,8 @@
             <a:chExt cx="2137316" cy="934132"/>
           </a:xfrm>
         </p:grpSpPr>
-        <mc:AlternateContent xmlns:mc="http://schemas.openxmlformats.org/markup-compatibility/2006">
-          <mc:Choice xmlns:a14="http://schemas.microsoft.com/office/drawing/2010/main" Requires="a14">
+        <mc:AlternateContent xmlns:mc="http://schemas.openxmlformats.org/markup-compatibility/2006" xmlns:a14="http://schemas.microsoft.com/office/drawing/2010/main">
+          <mc:Choice Requires="a14">
             <p:sp>
               <p:nvSpPr>
                 <p:cNvPr id="27" name="テキスト ボックス 26">
@@ -29583,7 +27835,7 @@
               </p:txBody>
             </p:sp>
           </mc:Choice>
-          <mc:Fallback>
+          <mc:Fallback xmlns="">
             <p:sp>
               <p:nvSpPr>
                 <p:cNvPr id="27" name="テキスト ボックス 26">
@@ -30100,8 +28352,8 @@
           </a:fontRef>
         </p:style>
       </p:cxnSp>
-      <mc:AlternateContent xmlns:mc="http://schemas.openxmlformats.org/markup-compatibility/2006">
-        <mc:Choice xmlns:a14="http://schemas.microsoft.com/office/drawing/2010/main" Requires="a14">
+      <mc:AlternateContent xmlns:mc="http://schemas.openxmlformats.org/markup-compatibility/2006" xmlns:a14="http://schemas.microsoft.com/office/drawing/2010/main">
+        <mc:Choice Requires="a14">
           <p:sp>
             <p:nvSpPr>
               <p:cNvPr id="26" name="テキスト ボックス 25">
@@ -30177,7 +28429,7 @@
             </p:txBody>
           </p:sp>
         </mc:Choice>
-        <mc:Fallback>
+        <mc:Fallback xmlns="">
           <p:sp>
             <p:nvSpPr>
               <p:cNvPr id="26" name="テキスト ボックス 25">
